--- a/도식화.pptx
+++ b/도식화.pptx
@@ -2976,16 +2976,16 @@
       </p:grpSpPr>
       <p:grpSp>
         <p:nvGrpSpPr>
-          <p:cNvPr id="29" name="그룹 28"/>
+          <p:cNvPr id="2" name="그룹 1"/>
           <p:cNvGrpSpPr/>
           <p:nvPr/>
         </p:nvGrpSpPr>
         <p:grpSpPr>
           <a:xfrm>
-            <a:off x="0" y="8964118"/>
-            <a:ext cx="6858000" cy="941882"/>
-            <a:chOff x="0" y="8964118"/>
-            <a:chExt cx="6858000" cy="941882"/>
+            <a:off x="-1" y="8981040"/>
+            <a:ext cx="6858000" cy="900542"/>
+            <a:chOff x="-1" y="8981040"/>
+            <a:chExt cx="6858000" cy="900542"/>
           </a:xfrm>
         </p:grpSpPr>
         <p:sp>
@@ -2996,8 +2996,8 @@
           </p:nvSpPr>
           <p:spPr>
             <a:xfrm>
-              <a:off x="0" y="8964118"/>
-              <a:ext cx="6858000" cy="941882"/>
+              <a:off x="-1" y="8981040"/>
+              <a:ext cx="6858000" cy="900542"/>
             </a:xfrm>
             <a:prstGeom prst="rect">
               <a:avLst/>
@@ -3045,8 +3045,8 @@
             <p:nvPr/>
           </p:nvSpPr>
           <p:spPr>
-            <a:xfrm>
-              <a:off x="1431572" y="9044067"/>
+            <a:xfrm flipH="1">
+              <a:off x="1746544" y="9056554"/>
               <a:ext cx="45719" cy="791980"/>
             </a:xfrm>
             <a:prstGeom prst="rect">
@@ -3092,53 +3092,7 @@
           </p:nvSpPr>
           <p:spPr>
             <a:xfrm>
-              <a:off x="2788179" y="9044067"/>
-              <a:ext cx="45719" cy="791980"/>
-            </a:xfrm>
-            <a:prstGeom prst="rect">
-              <a:avLst/>
-            </a:prstGeom>
-            <a:solidFill>
-              <a:schemeClr val="bg1"/>
-            </a:solidFill>
-            <a:ln>
-              <a:noFill/>
-            </a:ln>
-          </p:spPr>
-          <p:style>
-            <a:lnRef idx="2">
-              <a:schemeClr val="accent1">
-                <a:shade val="50000"/>
-              </a:schemeClr>
-            </a:lnRef>
-            <a:fillRef idx="1">
-              <a:schemeClr val="accent1"/>
-            </a:fillRef>
-            <a:effectRef idx="0">
-              <a:schemeClr val="accent1"/>
-            </a:effectRef>
-            <a:fontRef idx="minor">
-              <a:schemeClr val="lt1"/>
-            </a:fontRef>
-          </p:style>
-          <p:txBody>
-            <a:bodyPr rtlCol="0" anchor="ctr"/>
-            <a:lstStyle/>
-            <a:p>
-              <a:pPr algn="ctr"/>
-              <a:endParaRPr lang="ko-KR" altLang="en-US"/>
-            </a:p>
-          </p:txBody>
-        </p:sp>
-        <p:sp>
-          <p:nvSpPr>
-            <p:cNvPr id="9" name="직사각형 8"/>
-            <p:cNvSpPr/>
-            <p:nvPr/>
-          </p:nvSpPr>
-          <p:spPr>
-            <a:xfrm>
-              <a:off x="4144786" y="9039069"/>
+              <a:off x="3447369" y="9062803"/>
               <a:ext cx="45719" cy="791980"/>
             </a:xfrm>
             <a:prstGeom prst="rect">
@@ -3184,7 +3138,7 @@
           </p:nvSpPr>
           <p:spPr>
             <a:xfrm>
-              <a:off x="5501393" y="9039069"/>
+              <a:off x="5174423" y="9062803"/>
               <a:ext cx="45719" cy="791980"/>
             </a:xfrm>
             <a:prstGeom prst="rect">
@@ -3230,7 +3184,7 @@
           </p:nvSpPr>
           <p:spPr>
             <a:xfrm>
-              <a:off x="3155810" y="9160238"/>
+              <a:off x="633543" y="9137753"/>
               <a:ext cx="674557" cy="587116"/>
             </a:xfrm>
             <a:prstGeom prst="upArrow">
@@ -3279,7 +3233,7 @@
           </p:nvGrpSpPr>
           <p:grpSpPr>
             <a:xfrm>
-              <a:off x="5973207" y="9148996"/>
+              <a:off x="5776743" y="9132756"/>
               <a:ext cx="524655" cy="652073"/>
               <a:chOff x="1371611" y="2598295"/>
               <a:chExt cx="524655" cy="652073"/>
@@ -3379,59 +3333,13 @@
         </p:grpSp>
         <p:sp>
           <p:nvSpPr>
-            <p:cNvPr id="15" name="하트 14"/>
-            <p:cNvSpPr/>
-            <p:nvPr/>
-          </p:nvSpPr>
-          <p:spPr>
-            <a:xfrm>
-              <a:off x="4542964" y="9191469"/>
-              <a:ext cx="659567" cy="599606"/>
-            </a:xfrm>
-            <a:prstGeom prst="heart">
-              <a:avLst/>
-            </a:prstGeom>
-            <a:solidFill>
-              <a:schemeClr val="bg1"/>
-            </a:solidFill>
-            <a:ln>
-              <a:noFill/>
-            </a:ln>
-          </p:spPr>
-          <p:style>
-            <a:lnRef idx="2">
-              <a:schemeClr val="accent1">
-                <a:shade val="50000"/>
-              </a:schemeClr>
-            </a:lnRef>
-            <a:fillRef idx="1">
-              <a:schemeClr val="accent1"/>
-            </a:fillRef>
-            <a:effectRef idx="0">
-              <a:schemeClr val="accent1"/>
-            </a:effectRef>
-            <a:fontRef idx="minor">
-              <a:schemeClr val="lt1"/>
-            </a:fontRef>
-          </p:style>
-          <p:txBody>
-            <a:bodyPr rtlCol="0" anchor="ctr"/>
-            <a:lstStyle/>
-            <a:p>
-              <a:pPr algn="ctr"/>
-              <a:endParaRPr lang="ko-KR" altLang="en-US"/>
-            </a:p>
-          </p:txBody>
-        </p:sp>
-        <p:sp>
-          <p:nvSpPr>
             <p:cNvPr id="16" name="번개 15"/>
             <p:cNvSpPr/>
             <p:nvPr/>
           </p:nvSpPr>
           <p:spPr>
             <a:xfrm>
-              <a:off x="1863303" y="9105275"/>
+              <a:off x="2330253" y="9143872"/>
               <a:ext cx="719640" cy="725774"/>
             </a:xfrm>
             <a:prstGeom prst="lightningBolt">
@@ -3477,7 +3385,7 @@
           </p:nvGrpSpPr>
           <p:grpSpPr>
             <a:xfrm>
-              <a:off x="404646" y="9140376"/>
+              <a:off x="3972014" y="9132756"/>
               <a:ext cx="750267" cy="559631"/>
               <a:chOff x="1079292" y="6775554"/>
               <a:chExt cx="750267" cy="559631"/>
@@ -4107,711 +4015,6 @@
           </a:prstGeom>
         </p:spPr>
       </p:pic>
-      <p:grpSp>
-        <p:nvGrpSpPr>
-          <p:cNvPr id="5" name="그룹 4"/>
-          <p:cNvGrpSpPr/>
-          <p:nvPr/>
-        </p:nvGrpSpPr>
-        <p:grpSpPr>
-          <a:xfrm>
-            <a:off x="0" y="8964118"/>
-            <a:ext cx="6858000" cy="941882"/>
-            <a:chOff x="0" y="8964118"/>
-            <a:chExt cx="6858000" cy="941882"/>
-          </a:xfrm>
-        </p:grpSpPr>
-        <p:sp>
-          <p:nvSpPr>
-            <p:cNvPr id="6" name="직사각형 5"/>
-            <p:cNvSpPr/>
-            <p:nvPr/>
-          </p:nvSpPr>
-          <p:spPr>
-            <a:xfrm>
-              <a:off x="0" y="8964118"/>
-              <a:ext cx="6858000" cy="941882"/>
-            </a:xfrm>
-            <a:prstGeom prst="rect">
-              <a:avLst/>
-            </a:prstGeom>
-            <a:solidFill>
-              <a:schemeClr val="bg1">
-                <a:lumMod val="50000"/>
-              </a:schemeClr>
-            </a:solidFill>
-            <a:ln>
-              <a:solidFill>
-                <a:schemeClr val="bg2"/>
-              </a:solidFill>
-            </a:ln>
-          </p:spPr>
-          <p:style>
-            <a:lnRef idx="2">
-              <a:schemeClr val="accent1">
-                <a:shade val="50000"/>
-              </a:schemeClr>
-            </a:lnRef>
-            <a:fillRef idx="1">
-              <a:schemeClr val="accent1"/>
-            </a:fillRef>
-            <a:effectRef idx="0">
-              <a:schemeClr val="accent1"/>
-            </a:effectRef>
-            <a:fontRef idx="minor">
-              <a:schemeClr val="lt1"/>
-            </a:fontRef>
-          </p:style>
-          <p:txBody>
-            <a:bodyPr rtlCol="0" anchor="ctr"/>
-            <a:lstStyle/>
-            <a:p>
-              <a:pPr algn="ctr"/>
-              <a:endParaRPr lang="ko-KR" altLang="en-US"/>
-            </a:p>
-          </p:txBody>
-        </p:sp>
-        <p:sp>
-          <p:nvSpPr>
-            <p:cNvPr id="7" name="직사각형 6"/>
-            <p:cNvSpPr/>
-            <p:nvPr/>
-          </p:nvSpPr>
-          <p:spPr>
-            <a:xfrm>
-              <a:off x="1431572" y="9044067"/>
-              <a:ext cx="45719" cy="791980"/>
-            </a:xfrm>
-            <a:prstGeom prst="rect">
-              <a:avLst/>
-            </a:prstGeom>
-            <a:solidFill>
-              <a:schemeClr val="bg1"/>
-            </a:solidFill>
-            <a:ln>
-              <a:noFill/>
-            </a:ln>
-          </p:spPr>
-          <p:style>
-            <a:lnRef idx="2">
-              <a:schemeClr val="accent1">
-                <a:shade val="50000"/>
-              </a:schemeClr>
-            </a:lnRef>
-            <a:fillRef idx="1">
-              <a:schemeClr val="accent1"/>
-            </a:fillRef>
-            <a:effectRef idx="0">
-              <a:schemeClr val="accent1"/>
-            </a:effectRef>
-            <a:fontRef idx="minor">
-              <a:schemeClr val="lt1"/>
-            </a:fontRef>
-          </p:style>
-          <p:txBody>
-            <a:bodyPr rtlCol="0" anchor="ctr"/>
-            <a:lstStyle/>
-            <a:p>
-              <a:pPr algn="ctr"/>
-              <a:endParaRPr lang="ko-KR" altLang="en-US"/>
-            </a:p>
-          </p:txBody>
-        </p:sp>
-        <p:sp>
-          <p:nvSpPr>
-            <p:cNvPr id="8" name="직사각형 7"/>
-            <p:cNvSpPr/>
-            <p:nvPr/>
-          </p:nvSpPr>
-          <p:spPr>
-            <a:xfrm>
-              <a:off x="2788179" y="9044067"/>
-              <a:ext cx="45719" cy="791980"/>
-            </a:xfrm>
-            <a:prstGeom prst="rect">
-              <a:avLst/>
-            </a:prstGeom>
-            <a:solidFill>
-              <a:schemeClr val="bg1"/>
-            </a:solidFill>
-            <a:ln>
-              <a:noFill/>
-            </a:ln>
-          </p:spPr>
-          <p:style>
-            <a:lnRef idx="2">
-              <a:schemeClr val="accent1">
-                <a:shade val="50000"/>
-              </a:schemeClr>
-            </a:lnRef>
-            <a:fillRef idx="1">
-              <a:schemeClr val="accent1"/>
-            </a:fillRef>
-            <a:effectRef idx="0">
-              <a:schemeClr val="accent1"/>
-            </a:effectRef>
-            <a:fontRef idx="minor">
-              <a:schemeClr val="lt1"/>
-            </a:fontRef>
-          </p:style>
-          <p:txBody>
-            <a:bodyPr rtlCol="0" anchor="ctr"/>
-            <a:lstStyle/>
-            <a:p>
-              <a:pPr algn="ctr"/>
-              <a:endParaRPr lang="ko-KR" altLang="en-US"/>
-            </a:p>
-          </p:txBody>
-        </p:sp>
-        <p:sp>
-          <p:nvSpPr>
-            <p:cNvPr id="9" name="직사각형 8"/>
-            <p:cNvSpPr/>
-            <p:nvPr/>
-          </p:nvSpPr>
-          <p:spPr>
-            <a:xfrm>
-              <a:off x="4144786" y="9039069"/>
-              <a:ext cx="45719" cy="791980"/>
-            </a:xfrm>
-            <a:prstGeom prst="rect">
-              <a:avLst/>
-            </a:prstGeom>
-            <a:solidFill>
-              <a:schemeClr val="bg1"/>
-            </a:solidFill>
-            <a:ln>
-              <a:noFill/>
-            </a:ln>
-          </p:spPr>
-          <p:style>
-            <a:lnRef idx="2">
-              <a:schemeClr val="accent1">
-                <a:shade val="50000"/>
-              </a:schemeClr>
-            </a:lnRef>
-            <a:fillRef idx="1">
-              <a:schemeClr val="accent1"/>
-            </a:fillRef>
-            <a:effectRef idx="0">
-              <a:schemeClr val="accent1"/>
-            </a:effectRef>
-            <a:fontRef idx="minor">
-              <a:schemeClr val="lt1"/>
-            </a:fontRef>
-          </p:style>
-          <p:txBody>
-            <a:bodyPr rtlCol="0" anchor="ctr"/>
-            <a:lstStyle/>
-            <a:p>
-              <a:pPr algn="ctr"/>
-              <a:endParaRPr lang="ko-KR" altLang="en-US"/>
-            </a:p>
-          </p:txBody>
-        </p:sp>
-        <p:sp>
-          <p:nvSpPr>
-            <p:cNvPr id="10" name="직사각형 9"/>
-            <p:cNvSpPr/>
-            <p:nvPr/>
-          </p:nvSpPr>
-          <p:spPr>
-            <a:xfrm>
-              <a:off x="5501393" y="9039069"/>
-              <a:ext cx="45719" cy="791980"/>
-            </a:xfrm>
-            <a:prstGeom prst="rect">
-              <a:avLst/>
-            </a:prstGeom>
-            <a:solidFill>
-              <a:schemeClr val="bg1"/>
-            </a:solidFill>
-            <a:ln>
-              <a:noFill/>
-            </a:ln>
-          </p:spPr>
-          <p:style>
-            <a:lnRef idx="2">
-              <a:schemeClr val="accent1">
-                <a:shade val="50000"/>
-              </a:schemeClr>
-            </a:lnRef>
-            <a:fillRef idx="1">
-              <a:schemeClr val="accent1"/>
-            </a:fillRef>
-            <a:effectRef idx="0">
-              <a:schemeClr val="accent1"/>
-            </a:effectRef>
-            <a:fontRef idx="minor">
-              <a:schemeClr val="lt1"/>
-            </a:fontRef>
-          </p:style>
-          <p:txBody>
-            <a:bodyPr rtlCol="0" anchor="ctr"/>
-            <a:lstStyle/>
-            <a:p>
-              <a:pPr algn="ctr"/>
-              <a:endParaRPr lang="ko-KR" altLang="en-US"/>
-            </a:p>
-          </p:txBody>
-        </p:sp>
-        <p:sp>
-          <p:nvSpPr>
-            <p:cNvPr id="11" name="위쪽 화살표 10"/>
-            <p:cNvSpPr/>
-            <p:nvPr/>
-          </p:nvSpPr>
-          <p:spPr>
-            <a:xfrm>
-              <a:off x="3155810" y="9160238"/>
-              <a:ext cx="674557" cy="587116"/>
-            </a:xfrm>
-            <a:prstGeom prst="upArrow">
-              <a:avLst>
-                <a:gd name="adj1" fmla="val 50000"/>
-                <a:gd name="adj2" fmla="val 67872"/>
-              </a:avLst>
-            </a:prstGeom>
-            <a:solidFill>
-              <a:schemeClr val="bg1"/>
-            </a:solidFill>
-            <a:ln>
-              <a:noFill/>
-            </a:ln>
-          </p:spPr>
-          <p:style>
-            <a:lnRef idx="2">
-              <a:schemeClr val="accent1">
-                <a:shade val="50000"/>
-              </a:schemeClr>
-            </a:lnRef>
-            <a:fillRef idx="1">
-              <a:schemeClr val="accent1"/>
-            </a:fillRef>
-            <a:effectRef idx="0">
-              <a:schemeClr val="accent1"/>
-            </a:effectRef>
-            <a:fontRef idx="minor">
-              <a:schemeClr val="lt1"/>
-            </a:fontRef>
-          </p:style>
-          <p:txBody>
-            <a:bodyPr rtlCol="0" anchor="ctr"/>
-            <a:lstStyle/>
-            <a:p>
-              <a:pPr algn="ctr"/>
-              <a:endParaRPr lang="ko-KR" altLang="en-US"/>
-            </a:p>
-          </p:txBody>
-        </p:sp>
-        <p:grpSp>
-          <p:nvGrpSpPr>
-            <p:cNvPr id="12" name="그룹 11"/>
-            <p:cNvGrpSpPr/>
-            <p:nvPr/>
-          </p:nvGrpSpPr>
-          <p:grpSpPr>
-            <a:xfrm>
-              <a:off x="5973207" y="9148996"/>
-              <a:ext cx="524655" cy="652073"/>
-              <a:chOff x="1371611" y="2598295"/>
-              <a:chExt cx="524655" cy="652073"/>
-            </a:xfrm>
-            <a:solidFill>
-              <a:schemeClr val="bg1"/>
-            </a:solidFill>
-          </p:grpSpPr>
-          <p:sp>
-            <p:nvSpPr>
-              <p:cNvPr id="20" name="이등변 삼각형 19"/>
-              <p:cNvSpPr/>
-              <p:nvPr/>
-            </p:nvSpPr>
-            <p:spPr>
-              <a:xfrm>
-                <a:off x="1371611" y="2755693"/>
-                <a:ext cx="524655" cy="494675"/>
-              </a:xfrm>
-              <a:prstGeom prst="triangle">
-                <a:avLst/>
-              </a:prstGeom>
-              <a:grpFill/>
-              <a:ln>
-                <a:noFill/>
-              </a:ln>
-            </p:spPr>
-            <p:style>
-              <a:lnRef idx="2">
-                <a:schemeClr val="accent1">
-                  <a:shade val="50000"/>
-                </a:schemeClr>
-              </a:lnRef>
-              <a:fillRef idx="1">
-                <a:schemeClr val="accent1"/>
-              </a:fillRef>
-              <a:effectRef idx="0">
-                <a:schemeClr val="accent1"/>
-              </a:effectRef>
-              <a:fontRef idx="minor">
-                <a:schemeClr val="lt1"/>
-              </a:fontRef>
-            </p:style>
-            <p:txBody>
-              <a:bodyPr rtlCol="0" anchor="ctr"/>
-              <a:lstStyle/>
-              <a:p>
-                <a:pPr algn="ctr"/>
-                <a:endParaRPr lang="ko-KR" altLang="en-US"/>
-              </a:p>
-            </p:txBody>
-          </p:sp>
-          <p:sp>
-            <p:nvSpPr>
-              <p:cNvPr id="21" name="타원 20"/>
-              <p:cNvSpPr/>
-              <p:nvPr/>
-            </p:nvSpPr>
-            <p:spPr>
-              <a:xfrm>
-                <a:off x="1431570" y="2598295"/>
-                <a:ext cx="404735" cy="404735"/>
-              </a:xfrm>
-              <a:prstGeom prst="ellipse">
-                <a:avLst/>
-              </a:prstGeom>
-              <a:grpFill/>
-              <a:ln>
-                <a:noFill/>
-              </a:ln>
-            </p:spPr>
-            <p:style>
-              <a:lnRef idx="2">
-                <a:schemeClr val="accent1">
-                  <a:shade val="50000"/>
-                </a:schemeClr>
-              </a:lnRef>
-              <a:fillRef idx="1">
-                <a:schemeClr val="accent1"/>
-              </a:fillRef>
-              <a:effectRef idx="0">
-                <a:schemeClr val="accent1"/>
-              </a:effectRef>
-              <a:fontRef idx="minor">
-                <a:schemeClr val="lt1"/>
-              </a:fontRef>
-            </p:style>
-            <p:txBody>
-              <a:bodyPr rtlCol="0" anchor="ctr"/>
-              <a:lstStyle/>
-              <a:p>
-                <a:pPr algn="ctr"/>
-                <a:endParaRPr lang="ko-KR" altLang="en-US"/>
-              </a:p>
-            </p:txBody>
-          </p:sp>
-        </p:grpSp>
-        <p:sp>
-          <p:nvSpPr>
-            <p:cNvPr id="13" name="하트 12"/>
-            <p:cNvSpPr/>
-            <p:nvPr/>
-          </p:nvSpPr>
-          <p:spPr>
-            <a:xfrm>
-              <a:off x="4542964" y="9191469"/>
-              <a:ext cx="659567" cy="599606"/>
-            </a:xfrm>
-            <a:prstGeom prst="heart">
-              <a:avLst/>
-            </a:prstGeom>
-            <a:solidFill>
-              <a:schemeClr val="bg1"/>
-            </a:solidFill>
-            <a:ln>
-              <a:noFill/>
-            </a:ln>
-          </p:spPr>
-          <p:style>
-            <a:lnRef idx="2">
-              <a:schemeClr val="accent1">
-                <a:shade val="50000"/>
-              </a:schemeClr>
-            </a:lnRef>
-            <a:fillRef idx="1">
-              <a:schemeClr val="accent1"/>
-            </a:fillRef>
-            <a:effectRef idx="0">
-              <a:schemeClr val="accent1"/>
-            </a:effectRef>
-            <a:fontRef idx="minor">
-              <a:schemeClr val="lt1"/>
-            </a:fontRef>
-          </p:style>
-          <p:txBody>
-            <a:bodyPr rtlCol="0" anchor="ctr"/>
-            <a:lstStyle/>
-            <a:p>
-              <a:pPr algn="ctr"/>
-              <a:endParaRPr lang="ko-KR" altLang="en-US"/>
-            </a:p>
-          </p:txBody>
-        </p:sp>
-        <p:sp>
-          <p:nvSpPr>
-            <p:cNvPr id="14" name="번개 13"/>
-            <p:cNvSpPr/>
-            <p:nvPr/>
-          </p:nvSpPr>
-          <p:spPr>
-            <a:xfrm>
-              <a:off x="1863303" y="9105275"/>
-              <a:ext cx="719640" cy="725774"/>
-            </a:xfrm>
-            <a:prstGeom prst="lightningBolt">
-              <a:avLst/>
-            </a:prstGeom>
-            <a:solidFill>
-              <a:schemeClr val="bg1"/>
-            </a:solidFill>
-            <a:ln>
-              <a:noFill/>
-            </a:ln>
-          </p:spPr>
-          <p:style>
-            <a:lnRef idx="2">
-              <a:schemeClr val="accent1">
-                <a:shade val="50000"/>
-              </a:schemeClr>
-            </a:lnRef>
-            <a:fillRef idx="1">
-              <a:schemeClr val="accent1"/>
-            </a:fillRef>
-            <a:effectRef idx="0">
-              <a:schemeClr val="accent1"/>
-            </a:effectRef>
-            <a:fontRef idx="minor">
-              <a:schemeClr val="lt1"/>
-            </a:fontRef>
-          </p:style>
-          <p:txBody>
-            <a:bodyPr rtlCol="0" anchor="ctr"/>
-            <a:lstStyle/>
-            <a:p>
-              <a:pPr algn="ctr"/>
-              <a:endParaRPr lang="ko-KR" altLang="en-US"/>
-            </a:p>
-          </p:txBody>
-        </p:sp>
-        <p:grpSp>
-          <p:nvGrpSpPr>
-            <p:cNvPr id="15" name="그룹 14"/>
-            <p:cNvGrpSpPr/>
-            <p:nvPr/>
-          </p:nvGrpSpPr>
-          <p:grpSpPr>
-            <a:xfrm>
-              <a:off x="404646" y="9140376"/>
-              <a:ext cx="750267" cy="559631"/>
-              <a:chOff x="1079292" y="6775554"/>
-              <a:chExt cx="750267" cy="559631"/>
-            </a:xfrm>
-          </p:grpSpPr>
-          <p:sp>
-            <p:nvSpPr>
-              <p:cNvPr id="16" name="모서리가 둥근 사각형 설명선 15"/>
-              <p:cNvSpPr/>
-              <p:nvPr/>
-            </p:nvSpPr>
-            <p:spPr>
-              <a:xfrm>
-                <a:off x="1079292" y="6775554"/>
-                <a:ext cx="750267" cy="559631"/>
-              </a:xfrm>
-              <a:prstGeom prst="wedgeRoundRectCallout">
-                <a:avLst>
-                  <a:gd name="adj1" fmla="val -8588"/>
-                  <a:gd name="adj2" fmla="val 73287"/>
-                  <a:gd name="adj3" fmla="val 16667"/>
-                </a:avLst>
-              </a:prstGeom>
-              <a:solidFill>
-                <a:schemeClr val="bg1"/>
-              </a:solidFill>
-              <a:ln>
-                <a:noFill/>
-              </a:ln>
-            </p:spPr>
-            <p:style>
-              <a:lnRef idx="2">
-                <a:schemeClr val="accent1">
-                  <a:shade val="50000"/>
-                </a:schemeClr>
-              </a:lnRef>
-              <a:fillRef idx="1">
-                <a:schemeClr val="accent1"/>
-              </a:fillRef>
-              <a:effectRef idx="0">
-                <a:schemeClr val="accent1"/>
-              </a:effectRef>
-              <a:fontRef idx="minor">
-                <a:schemeClr val="lt1"/>
-              </a:fontRef>
-            </p:style>
-            <p:txBody>
-              <a:bodyPr rtlCol="0" anchor="ctr"/>
-              <a:lstStyle/>
-              <a:p>
-                <a:pPr algn="ctr"/>
-                <a:endParaRPr lang="ko-KR" altLang="en-US"/>
-              </a:p>
-            </p:txBody>
-          </p:sp>
-          <p:sp>
-            <p:nvSpPr>
-              <p:cNvPr id="17" name="직사각형 16"/>
-              <p:cNvSpPr/>
-              <p:nvPr/>
-            </p:nvSpPr>
-            <p:spPr>
-              <a:xfrm>
-                <a:off x="1210835" y="6895475"/>
-                <a:ext cx="532911" cy="45719"/>
-              </a:xfrm>
-              <a:prstGeom prst="rect">
-                <a:avLst/>
-              </a:prstGeom>
-              <a:solidFill>
-                <a:schemeClr val="bg1">
-                  <a:lumMod val="50000"/>
-                </a:schemeClr>
-              </a:solidFill>
-              <a:ln>
-                <a:noFill/>
-              </a:ln>
-            </p:spPr>
-            <p:style>
-              <a:lnRef idx="2">
-                <a:schemeClr val="accent1">
-                  <a:shade val="50000"/>
-                </a:schemeClr>
-              </a:lnRef>
-              <a:fillRef idx="1">
-                <a:schemeClr val="accent1"/>
-              </a:fillRef>
-              <a:effectRef idx="0">
-                <a:schemeClr val="accent1"/>
-              </a:effectRef>
-              <a:fontRef idx="minor">
-                <a:schemeClr val="lt1"/>
-              </a:fontRef>
-            </p:style>
-            <p:txBody>
-              <a:bodyPr rtlCol="0" anchor="ctr"/>
-              <a:lstStyle/>
-              <a:p>
-                <a:pPr algn="ctr"/>
-                <a:endParaRPr lang="ko-KR" altLang="en-US"/>
-              </a:p>
-            </p:txBody>
-          </p:sp>
-          <p:sp>
-            <p:nvSpPr>
-              <p:cNvPr id="18" name="직사각형 17"/>
-              <p:cNvSpPr/>
-              <p:nvPr/>
-            </p:nvSpPr>
-            <p:spPr>
-              <a:xfrm>
-                <a:off x="1214961" y="7009650"/>
-                <a:ext cx="532911" cy="45719"/>
-              </a:xfrm>
-              <a:prstGeom prst="rect">
-                <a:avLst/>
-              </a:prstGeom>
-              <a:solidFill>
-                <a:schemeClr val="bg1">
-                  <a:lumMod val="50000"/>
-                </a:schemeClr>
-              </a:solidFill>
-              <a:ln>
-                <a:noFill/>
-              </a:ln>
-            </p:spPr>
-            <p:style>
-              <a:lnRef idx="2">
-                <a:schemeClr val="accent1">
-                  <a:shade val="50000"/>
-                </a:schemeClr>
-              </a:lnRef>
-              <a:fillRef idx="1">
-                <a:schemeClr val="accent1"/>
-              </a:fillRef>
-              <a:effectRef idx="0">
-                <a:schemeClr val="accent1"/>
-              </a:effectRef>
-              <a:fontRef idx="minor">
-                <a:schemeClr val="lt1"/>
-              </a:fontRef>
-            </p:style>
-            <p:txBody>
-              <a:bodyPr rtlCol="0" anchor="ctr"/>
-              <a:lstStyle/>
-              <a:p>
-                <a:pPr algn="ctr"/>
-                <a:endParaRPr lang="ko-KR" altLang="en-US"/>
-              </a:p>
-            </p:txBody>
-          </p:sp>
-          <p:sp>
-            <p:nvSpPr>
-              <p:cNvPr id="19" name="직사각형 18"/>
-              <p:cNvSpPr/>
-              <p:nvPr/>
-            </p:nvSpPr>
-            <p:spPr>
-              <a:xfrm>
-                <a:off x="1210835" y="7126698"/>
-                <a:ext cx="532911" cy="45719"/>
-              </a:xfrm>
-              <a:prstGeom prst="rect">
-                <a:avLst/>
-              </a:prstGeom>
-              <a:solidFill>
-                <a:schemeClr val="bg1">
-                  <a:lumMod val="50000"/>
-                </a:schemeClr>
-              </a:solidFill>
-              <a:ln>
-                <a:noFill/>
-              </a:ln>
-            </p:spPr>
-            <p:style>
-              <a:lnRef idx="2">
-                <a:schemeClr val="accent1">
-                  <a:shade val="50000"/>
-                </a:schemeClr>
-              </a:lnRef>
-              <a:fillRef idx="1">
-                <a:schemeClr val="accent1"/>
-              </a:fillRef>
-              <a:effectRef idx="0">
-                <a:schemeClr val="accent1"/>
-              </a:effectRef>
-              <a:fontRef idx="minor">
-                <a:schemeClr val="lt1"/>
-              </a:fontRef>
-            </p:style>
-            <p:txBody>
-              <a:bodyPr rtlCol="0" anchor="ctr"/>
-              <a:lstStyle/>
-              <a:p>
-                <a:pPr algn="ctr"/>
-                <a:endParaRPr lang="ko-KR" altLang="en-US"/>
-              </a:p>
-            </p:txBody>
-          </p:sp>
-        </p:grpSp>
-      </p:grpSp>
       <p:grpSp>
         <p:nvGrpSpPr>
           <p:cNvPr id="38" name="그룹 37"/>
@@ -5973,74 +5176,55 @@
           <a:lstStyle/>
           <a:p>
             <a:r>
-              <a:rPr lang="ko-KR" altLang="en-US" dirty="0" smtClean="0"/>
+              <a:rPr lang="ko-KR" altLang="en-US" dirty="0" smtClean="0">
+                <a:solidFill>
+                  <a:schemeClr val="tx1">
+                    <a:lumMod val="75000"/>
+                    <a:lumOff val="25000"/>
+                  </a:schemeClr>
+                </a:solidFill>
+                <a:latin typeface="나눔스퀘어라운드 Bold" panose="020B0600000101010101" pitchFamily="50" charset="-127"/>
+                <a:ea typeface="나눔스퀘어라운드 Bold" panose="020B0600000101010101" pitchFamily="50" charset="-127"/>
+              </a:rPr>
               <a:t>기타 시장정보</a:t>
             </a:r>
-            <a:endParaRPr lang="ko-KR" altLang="en-US" dirty="0"/>
-          </a:p>
-        </p:txBody>
-      </p:sp>
-    </p:spTree>
-    <p:extLst>
-      <p:ext uri="{BB962C8B-B14F-4D97-AF65-F5344CB8AC3E}">
-        <p14:creationId xmlns:p14="http://schemas.microsoft.com/office/powerpoint/2010/main" val="1650496615"/>
-      </p:ext>
-    </p:extLst>
-  </p:cSld>
-  <p:clrMapOvr>
-    <a:masterClrMapping/>
-  </p:clrMapOvr>
-  <p:timing>
-    <p:tnLst>
-      <p:par>
-        <p:cTn id="1" dur="indefinite" restart="never" nodeType="tmRoot"/>
-      </p:par>
-    </p:tnLst>
-  </p:timing>
-</p:sld>
-</file>
-
-<file path=ppt/slides/slide3.xml><?xml version="1.0" encoding="utf-8"?>
-<p:sld xmlns:a="http://schemas.openxmlformats.org/drawingml/2006/main" xmlns:r="http://schemas.openxmlformats.org/officeDocument/2006/relationships" xmlns:p="http://schemas.openxmlformats.org/presentationml/2006/main">
-  <p:cSld>
-    <p:spTree>
-      <p:nvGrpSpPr>
-        <p:cNvPr id="1" name=""/>
-        <p:cNvGrpSpPr/>
-        <p:nvPr/>
-      </p:nvGrpSpPr>
-      <p:grpSpPr>
-        <a:xfrm>
-          <a:off x="0" y="0"/>
-          <a:ext cx="0" cy="0"/>
-          <a:chOff x="0" y="0"/>
-          <a:chExt cx="0" cy="0"/>
-        </a:xfrm>
-      </p:grpSpPr>
+            <a:endParaRPr lang="ko-KR" altLang="en-US" dirty="0">
+              <a:solidFill>
+                <a:schemeClr val="tx1">
+                  <a:lumMod val="75000"/>
+                  <a:lumOff val="25000"/>
+                </a:schemeClr>
+              </a:solidFill>
+              <a:latin typeface="나눔스퀘어라운드 Bold" panose="020B0600000101010101" pitchFamily="50" charset="-127"/>
+              <a:ea typeface="나눔스퀘어라운드 Bold" panose="020B0600000101010101" pitchFamily="50" charset="-127"/>
+            </a:endParaRPr>
+          </a:p>
+        </p:txBody>
+      </p:sp>
       <p:grpSp>
         <p:nvGrpSpPr>
-          <p:cNvPr id="4" name="그룹 3"/>
+          <p:cNvPr id="46" name="그룹 45"/>
           <p:cNvGrpSpPr/>
           <p:nvPr/>
         </p:nvGrpSpPr>
         <p:grpSpPr>
           <a:xfrm>
-            <a:off x="0" y="8964118"/>
-            <a:ext cx="6858000" cy="941882"/>
-            <a:chOff x="0" y="8964118"/>
-            <a:chExt cx="6858000" cy="941882"/>
+            <a:off x="-1" y="8981040"/>
+            <a:ext cx="6858000" cy="900542"/>
+            <a:chOff x="-1" y="8981040"/>
+            <a:chExt cx="6858000" cy="900542"/>
           </a:xfrm>
         </p:grpSpPr>
         <p:sp>
           <p:nvSpPr>
-            <p:cNvPr id="5" name="직사각형 4"/>
+            <p:cNvPr id="47" name="직사각형 46"/>
             <p:cNvSpPr/>
             <p:nvPr/>
           </p:nvSpPr>
           <p:spPr>
             <a:xfrm>
-              <a:off x="0" y="8964118"/>
-              <a:ext cx="6858000" cy="941882"/>
+              <a:off x="-1" y="8981040"/>
+              <a:ext cx="6858000" cy="900542"/>
             </a:xfrm>
             <a:prstGeom prst="rect">
               <a:avLst/>
@@ -6083,13 +5267,13 @@
         </p:sp>
         <p:sp>
           <p:nvSpPr>
-            <p:cNvPr id="6" name="직사각형 5"/>
+            <p:cNvPr id="51" name="직사각형 50"/>
             <p:cNvSpPr/>
             <p:nvPr/>
           </p:nvSpPr>
           <p:spPr>
-            <a:xfrm>
-              <a:off x="1431572" y="9044067"/>
+            <a:xfrm flipH="1">
+              <a:off x="1746544" y="9056554"/>
               <a:ext cx="45719" cy="791980"/>
             </a:xfrm>
             <a:prstGeom prst="rect">
@@ -6129,13 +5313,13 @@
         </p:sp>
         <p:sp>
           <p:nvSpPr>
-            <p:cNvPr id="7" name="직사각형 6"/>
+            <p:cNvPr id="52" name="직사각형 51"/>
             <p:cNvSpPr/>
             <p:nvPr/>
           </p:nvSpPr>
           <p:spPr>
             <a:xfrm>
-              <a:off x="2788179" y="9044067"/>
+              <a:off x="3447369" y="9062803"/>
               <a:ext cx="45719" cy="791980"/>
             </a:xfrm>
             <a:prstGeom prst="rect">
@@ -6175,13 +5359,13 @@
         </p:sp>
         <p:sp>
           <p:nvSpPr>
-            <p:cNvPr id="8" name="직사각형 7"/>
+            <p:cNvPr id="53" name="직사각형 52"/>
             <p:cNvSpPr/>
             <p:nvPr/>
           </p:nvSpPr>
           <p:spPr>
             <a:xfrm>
-              <a:off x="4144786" y="9039069"/>
+              <a:off x="5174423" y="9062803"/>
               <a:ext cx="45719" cy="791980"/>
             </a:xfrm>
             <a:prstGeom prst="rect">
@@ -6221,59 +5405,13 @@
         </p:sp>
         <p:sp>
           <p:nvSpPr>
-            <p:cNvPr id="9" name="직사각형 8"/>
+            <p:cNvPr id="54" name="위쪽 화살표 53"/>
             <p:cNvSpPr/>
             <p:nvPr/>
           </p:nvSpPr>
           <p:spPr>
             <a:xfrm>
-              <a:off x="5501393" y="9039069"/>
-              <a:ext cx="45719" cy="791980"/>
-            </a:xfrm>
-            <a:prstGeom prst="rect">
-              <a:avLst/>
-            </a:prstGeom>
-            <a:solidFill>
-              <a:schemeClr val="bg1"/>
-            </a:solidFill>
-            <a:ln>
-              <a:noFill/>
-            </a:ln>
-          </p:spPr>
-          <p:style>
-            <a:lnRef idx="2">
-              <a:schemeClr val="accent1">
-                <a:shade val="50000"/>
-              </a:schemeClr>
-            </a:lnRef>
-            <a:fillRef idx="1">
-              <a:schemeClr val="accent1"/>
-            </a:fillRef>
-            <a:effectRef idx="0">
-              <a:schemeClr val="accent1"/>
-            </a:effectRef>
-            <a:fontRef idx="minor">
-              <a:schemeClr val="lt1"/>
-            </a:fontRef>
-          </p:style>
-          <p:txBody>
-            <a:bodyPr rtlCol="0" anchor="ctr"/>
-            <a:lstStyle/>
-            <a:p>
-              <a:pPr algn="ctr"/>
-              <a:endParaRPr lang="ko-KR" altLang="en-US"/>
-            </a:p>
-          </p:txBody>
-        </p:sp>
-        <p:sp>
-          <p:nvSpPr>
-            <p:cNvPr id="10" name="위쪽 화살표 9"/>
-            <p:cNvSpPr/>
-            <p:nvPr/>
-          </p:nvSpPr>
-          <p:spPr>
-            <a:xfrm>
-              <a:off x="3155810" y="9160238"/>
+              <a:off x="633543" y="9137753"/>
               <a:ext cx="674557" cy="587116"/>
             </a:xfrm>
             <a:prstGeom prst="upArrow">
@@ -6316,13 +5454,13 @@
         </p:sp>
         <p:grpSp>
           <p:nvGrpSpPr>
-            <p:cNvPr id="11" name="그룹 10"/>
+            <p:cNvPr id="55" name="그룹 54"/>
             <p:cNvGrpSpPr/>
             <p:nvPr/>
           </p:nvGrpSpPr>
           <p:grpSpPr>
             <a:xfrm>
-              <a:off x="5973207" y="9148996"/>
+              <a:off x="5776743" y="9132756"/>
               <a:ext cx="524655" cy="652073"/>
               <a:chOff x="1371611" y="2598295"/>
               <a:chExt cx="524655" cy="652073"/>
@@ -6333,7 +5471,7 @@
           </p:grpSpPr>
           <p:sp>
             <p:nvSpPr>
-              <p:cNvPr id="19" name="이등변 삼각형 18"/>
+              <p:cNvPr id="62" name="이등변 삼각형 61"/>
               <p:cNvSpPr/>
               <p:nvPr/>
             </p:nvSpPr>
@@ -6377,7 +5515,7 @@
           </p:sp>
           <p:sp>
             <p:nvSpPr>
-              <p:cNvPr id="20" name="타원 19"/>
+              <p:cNvPr id="63" name="타원 62"/>
               <p:cNvSpPr/>
               <p:nvPr/>
             </p:nvSpPr>
@@ -6422,59 +5560,13 @@
         </p:grpSp>
         <p:sp>
           <p:nvSpPr>
-            <p:cNvPr id="12" name="하트 11"/>
+            <p:cNvPr id="56" name="번개 55"/>
             <p:cNvSpPr/>
             <p:nvPr/>
           </p:nvSpPr>
           <p:spPr>
             <a:xfrm>
-              <a:off x="4542964" y="9191469"/>
-              <a:ext cx="659567" cy="599606"/>
-            </a:xfrm>
-            <a:prstGeom prst="heart">
-              <a:avLst/>
-            </a:prstGeom>
-            <a:solidFill>
-              <a:schemeClr val="bg1"/>
-            </a:solidFill>
-            <a:ln>
-              <a:noFill/>
-            </a:ln>
-          </p:spPr>
-          <p:style>
-            <a:lnRef idx="2">
-              <a:schemeClr val="accent1">
-                <a:shade val="50000"/>
-              </a:schemeClr>
-            </a:lnRef>
-            <a:fillRef idx="1">
-              <a:schemeClr val="accent1"/>
-            </a:fillRef>
-            <a:effectRef idx="0">
-              <a:schemeClr val="accent1"/>
-            </a:effectRef>
-            <a:fontRef idx="minor">
-              <a:schemeClr val="lt1"/>
-            </a:fontRef>
-          </p:style>
-          <p:txBody>
-            <a:bodyPr rtlCol="0" anchor="ctr"/>
-            <a:lstStyle/>
-            <a:p>
-              <a:pPr algn="ctr"/>
-              <a:endParaRPr lang="ko-KR" altLang="en-US"/>
-            </a:p>
-          </p:txBody>
-        </p:sp>
-        <p:sp>
-          <p:nvSpPr>
-            <p:cNvPr id="13" name="번개 12"/>
-            <p:cNvSpPr/>
-            <p:nvPr/>
-          </p:nvSpPr>
-          <p:spPr>
-            <a:xfrm>
-              <a:off x="1863303" y="9105275"/>
+              <a:off x="2330253" y="9143872"/>
               <a:ext cx="719640" cy="725774"/>
             </a:xfrm>
             <a:prstGeom prst="lightningBolt">
@@ -6514,13 +5606,13 @@
         </p:sp>
         <p:grpSp>
           <p:nvGrpSpPr>
-            <p:cNvPr id="14" name="그룹 13"/>
+            <p:cNvPr id="57" name="그룹 56"/>
             <p:cNvGrpSpPr/>
             <p:nvPr/>
           </p:nvGrpSpPr>
           <p:grpSpPr>
             <a:xfrm>
-              <a:off x="404646" y="9140376"/>
+              <a:off x="3972014" y="9132756"/>
               <a:ext cx="750267" cy="559631"/>
               <a:chOff x="1079292" y="6775554"/>
               <a:chExt cx="750267" cy="559631"/>
@@ -6528,7 +5620,7 @@
           </p:grpSpPr>
           <p:sp>
             <p:nvSpPr>
-              <p:cNvPr id="15" name="모서리가 둥근 사각형 설명선 14"/>
+              <p:cNvPr id="58" name="모서리가 둥근 사각형 설명선 57"/>
               <p:cNvSpPr/>
               <p:nvPr/>
             </p:nvSpPr>
@@ -6578,7 +5670,7 @@
           </p:sp>
           <p:sp>
             <p:nvSpPr>
-              <p:cNvPr id="16" name="직사각형 15"/>
+              <p:cNvPr id="59" name="직사각형 58"/>
               <p:cNvSpPr/>
               <p:nvPr/>
             </p:nvSpPr>
@@ -6626,7 +5718,7 @@
           </p:sp>
           <p:sp>
             <p:nvSpPr>
-              <p:cNvPr id="17" name="직사각형 16"/>
+              <p:cNvPr id="60" name="직사각형 59"/>
               <p:cNvSpPr/>
               <p:nvPr/>
             </p:nvSpPr>
@@ -6674,7 +5766,7 @@
           </p:sp>
           <p:sp>
             <p:nvSpPr>
-              <p:cNvPr id="18" name="직사각형 17"/>
+              <p:cNvPr id="61" name="직사각형 60"/>
               <p:cNvSpPr/>
               <p:nvPr/>
             </p:nvSpPr>
@@ -6722,6 +5814,43 @@
           </p:sp>
         </p:grpSp>
       </p:grpSp>
+    </p:spTree>
+    <p:extLst>
+      <p:ext uri="{BB962C8B-B14F-4D97-AF65-F5344CB8AC3E}">
+        <p14:creationId xmlns:p14="http://schemas.microsoft.com/office/powerpoint/2010/main" val="1650496615"/>
+      </p:ext>
+    </p:extLst>
+  </p:cSld>
+  <p:clrMapOvr>
+    <a:masterClrMapping/>
+  </p:clrMapOvr>
+  <p:timing>
+    <p:tnLst>
+      <p:par>
+        <p:cTn id="1" dur="indefinite" restart="never" nodeType="tmRoot"/>
+      </p:par>
+    </p:tnLst>
+  </p:timing>
+</p:sld>
+</file>
+
+<file path=ppt/slides/slide3.xml><?xml version="1.0" encoding="utf-8"?>
+<p:sld xmlns:a="http://schemas.openxmlformats.org/drawingml/2006/main" xmlns:r="http://schemas.openxmlformats.org/officeDocument/2006/relationships" xmlns:p="http://schemas.openxmlformats.org/presentationml/2006/main">
+  <p:cSld>
+    <p:spTree>
+      <p:nvGrpSpPr>
+        <p:cNvPr id="1" name=""/>
+        <p:cNvGrpSpPr/>
+        <p:nvPr/>
+      </p:nvGrpSpPr>
+      <p:grpSpPr>
+        <a:xfrm>
+          <a:off x="0" y="0"/>
+          <a:ext cx="0" cy="0"/>
+          <a:chOff x="0" y="0"/>
+          <a:chExt cx="0" cy="0"/>
+        </a:xfrm>
+      </p:grpSpPr>
       <p:pic>
         <p:nvPicPr>
           <p:cNvPr id="21" name="그림 20"/>
@@ -6751,6 +5880,2454 @@
           </a:prstGeom>
         </p:spPr>
       </p:pic>
+      <p:sp>
+        <p:nvSpPr>
+          <p:cNvPr id="2" name="TextBox 1"/>
+          <p:cNvSpPr txBox="1"/>
+          <p:nvPr/>
+        </p:nvSpPr>
+        <p:spPr>
+          <a:xfrm>
+            <a:off x="731059" y="974361"/>
+            <a:ext cx="4797885" cy="523220"/>
+          </a:xfrm>
+          <a:prstGeom prst="rect">
+            <a:avLst/>
+          </a:prstGeom>
+          <a:noFill/>
+        </p:spPr>
+        <p:txBody>
+          <a:bodyPr wrap="square" rtlCol="0">
+            <a:spAutoFit/>
+          </a:bodyPr>
+          <a:lstStyle/>
+          <a:p>
+            <a:r>
+              <a:rPr lang="ko-KR" altLang="en-US" sz="2800" dirty="0" smtClean="0">
+                <a:latin typeface="나눔스퀘어라운드 Bold" panose="020B0600000101010101" pitchFamily="50" charset="-127"/>
+                <a:ea typeface="나눔스퀘어라운드 Bold" panose="020B0600000101010101" pitchFamily="50" charset="-127"/>
+              </a:rPr>
+              <a:t>인기 먹거리</a:t>
+            </a:r>
+            <a:endParaRPr lang="ko-KR" altLang="en-US" sz="2800" dirty="0">
+              <a:latin typeface="나눔스퀘어라운드 Bold" panose="020B0600000101010101" pitchFamily="50" charset="-127"/>
+              <a:ea typeface="나눔스퀘어라운드 Bold" panose="020B0600000101010101" pitchFamily="50" charset="-127"/>
+            </a:endParaRPr>
+          </a:p>
+        </p:txBody>
+      </p:sp>
+      <p:sp>
+        <p:nvSpPr>
+          <p:cNvPr id="22" name="모서리가 둥근 직사각형 21"/>
+          <p:cNvSpPr/>
+          <p:nvPr/>
+        </p:nvSpPr>
+        <p:spPr>
+          <a:xfrm>
+            <a:off x="404646" y="791981"/>
+            <a:ext cx="6093216" cy="2176071"/>
+          </a:xfrm>
+          <a:prstGeom prst="roundRect">
+            <a:avLst/>
+          </a:prstGeom>
+          <a:noFill/>
+          <a:ln>
+            <a:solidFill>
+              <a:schemeClr val="bg2">
+                <a:lumMod val="75000"/>
+              </a:schemeClr>
+            </a:solidFill>
+          </a:ln>
+        </p:spPr>
+        <p:style>
+          <a:lnRef idx="2">
+            <a:schemeClr val="accent1">
+              <a:shade val="50000"/>
+            </a:schemeClr>
+          </a:lnRef>
+          <a:fillRef idx="1">
+            <a:schemeClr val="accent1"/>
+          </a:fillRef>
+          <a:effectRef idx="0">
+            <a:schemeClr val="accent1"/>
+          </a:effectRef>
+          <a:fontRef idx="minor">
+            <a:schemeClr val="lt1"/>
+          </a:fontRef>
+        </p:style>
+        <p:txBody>
+          <a:bodyPr rtlCol="0" anchor="ctr"/>
+          <a:lstStyle/>
+          <a:p>
+            <a:pPr algn="ctr"/>
+            <a:endParaRPr lang="ko-KR" altLang="en-US"/>
+          </a:p>
+        </p:txBody>
+      </p:sp>
+      <p:grpSp>
+        <p:nvGrpSpPr>
+          <p:cNvPr id="36" name="그룹 35"/>
+          <p:cNvGrpSpPr/>
+          <p:nvPr/>
+        </p:nvGrpSpPr>
+        <p:grpSpPr>
+          <a:xfrm>
+            <a:off x="802644" y="1708879"/>
+            <a:ext cx="749508" cy="773667"/>
+            <a:chOff x="802644" y="1708879"/>
+            <a:chExt cx="749508" cy="773667"/>
+          </a:xfrm>
+        </p:grpSpPr>
+        <p:sp>
+          <p:nvSpPr>
+            <p:cNvPr id="27" name="모서리가 둥근 직사각형 26"/>
+            <p:cNvSpPr/>
+            <p:nvPr/>
+          </p:nvSpPr>
+          <p:spPr>
+            <a:xfrm>
+              <a:off x="802644" y="1708879"/>
+              <a:ext cx="749508" cy="749508"/>
+            </a:xfrm>
+            <a:prstGeom prst="roundRect">
+              <a:avLst>
+                <a:gd name="adj" fmla="val 10667"/>
+              </a:avLst>
+            </a:prstGeom>
+            <a:solidFill>
+              <a:schemeClr val="accent2"/>
+            </a:solidFill>
+            <a:ln>
+              <a:noFill/>
+            </a:ln>
+          </p:spPr>
+          <p:style>
+            <a:lnRef idx="2">
+              <a:schemeClr val="accent1">
+                <a:shade val="50000"/>
+              </a:schemeClr>
+            </a:lnRef>
+            <a:fillRef idx="1">
+              <a:schemeClr val="accent1"/>
+            </a:fillRef>
+            <a:effectRef idx="0">
+              <a:schemeClr val="accent1"/>
+            </a:effectRef>
+            <a:fontRef idx="minor">
+              <a:schemeClr val="lt1"/>
+            </a:fontRef>
+          </p:style>
+          <p:txBody>
+            <a:bodyPr rtlCol="0" anchor="ctr"/>
+            <a:lstStyle/>
+            <a:p>
+              <a:pPr algn="ctr"/>
+              <a:endParaRPr lang="ko-KR" altLang="en-US"/>
+            </a:p>
+          </p:txBody>
+        </p:sp>
+        <p:sp>
+          <p:nvSpPr>
+            <p:cNvPr id="28" name="TextBox 27"/>
+            <p:cNvSpPr txBox="1"/>
+            <p:nvPr/>
+          </p:nvSpPr>
+          <p:spPr>
+            <a:xfrm>
+              <a:off x="918812" y="1774660"/>
+              <a:ext cx="472202" cy="707886"/>
+            </a:xfrm>
+            <a:prstGeom prst="rect">
+              <a:avLst/>
+            </a:prstGeom>
+            <a:noFill/>
+          </p:spPr>
+          <p:txBody>
+            <a:bodyPr wrap="square" rtlCol="0">
+              <a:spAutoFit/>
+            </a:bodyPr>
+            <a:lstStyle/>
+            <a:p>
+              <a:r>
+                <a:rPr lang="en-US" altLang="ko-KR" sz="4000" dirty="0" smtClean="0">
+                  <a:solidFill>
+                    <a:schemeClr val="bg1"/>
+                  </a:solidFill>
+                  <a:latin typeface="나눔스퀘어라운드 Bold" panose="020B0600000101010101" pitchFamily="50" charset="-127"/>
+                  <a:ea typeface="나눔스퀘어라운드 Bold" panose="020B0600000101010101" pitchFamily="50" charset="-127"/>
+                </a:rPr>
+                <a:t>A</a:t>
+              </a:r>
+              <a:endParaRPr lang="ko-KR" altLang="en-US" sz="4000" dirty="0">
+                <a:solidFill>
+                  <a:schemeClr val="bg1"/>
+                </a:solidFill>
+                <a:latin typeface="나눔스퀘어라운드 Bold" panose="020B0600000101010101" pitchFamily="50" charset="-127"/>
+                <a:ea typeface="나눔스퀘어라운드 Bold" panose="020B0600000101010101" pitchFamily="50" charset="-127"/>
+              </a:endParaRPr>
+            </a:p>
+          </p:txBody>
+        </p:sp>
+      </p:grpSp>
+      <p:grpSp>
+        <p:nvGrpSpPr>
+          <p:cNvPr id="37" name="그룹 36"/>
+          <p:cNvGrpSpPr/>
+          <p:nvPr/>
+        </p:nvGrpSpPr>
+        <p:grpSpPr>
+          <a:xfrm>
+            <a:off x="1796720" y="1708879"/>
+            <a:ext cx="749508" cy="773667"/>
+            <a:chOff x="1826700" y="1708879"/>
+            <a:chExt cx="749508" cy="773667"/>
+          </a:xfrm>
+        </p:grpSpPr>
+        <p:sp>
+          <p:nvSpPr>
+            <p:cNvPr id="29" name="모서리가 둥근 직사각형 28"/>
+            <p:cNvSpPr/>
+            <p:nvPr/>
+          </p:nvSpPr>
+          <p:spPr>
+            <a:xfrm>
+              <a:off x="1826700" y="1708879"/>
+              <a:ext cx="749508" cy="749508"/>
+            </a:xfrm>
+            <a:prstGeom prst="roundRect">
+              <a:avLst>
+                <a:gd name="adj" fmla="val 10667"/>
+              </a:avLst>
+            </a:prstGeom>
+            <a:solidFill>
+              <a:schemeClr val="accent2"/>
+            </a:solidFill>
+            <a:ln>
+              <a:noFill/>
+            </a:ln>
+          </p:spPr>
+          <p:style>
+            <a:lnRef idx="2">
+              <a:schemeClr val="accent1">
+                <a:shade val="50000"/>
+              </a:schemeClr>
+            </a:lnRef>
+            <a:fillRef idx="1">
+              <a:schemeClr val="accent1"/>
+            </a:fillRef>
+            <a:effectRef idx="0">
+              <a:schemeClr val="accent1"/>
+            </a:effectRef>
+            <a:fontRef idx="minor">
+              <a:schemeClr val="lt1"/>
+            </a:fontRef>
+          </p:style>
+          <p:txBody>
+            <a:bodyPr rtlCol="0" anchor="ctr"/>
+            <a:lstStyle/>
+            <a:p>
+              <a:pPr algn="ctr"/>
+              <a:endParaRPr lang="ko-KR" altLang="en-US"/>
+            </a:p>
+          </p:txBody>
+        </p:sp>
+        <p:sp>
+          <p:nvSpPr>
+            <p:cNvPr id="30" name="TextBox 29"/>
+            <p:cNvSpPr txBox="1"/>
+            <p:nvPr/>
+          </p:nvSpPr>
+          <p:spPr>
+            <a:xfrm>
+              <a:off x="1942868" y="1774660"/>
+              <a:ext cx="472202" cy="707886"/>
+            </a:xfrm>
+            <a:prstGeom prst="rect">
+              <a:avLst/>
+            </a:prstGeom>
+            <a:noFill/>
+          </p:spPr>
+          <p:txBody>
+            <a:bodyPr wrap="square" rtlCol="0">
+              <a:spAutoFit/>
+            </a:bodyPr>
+            <a:lstStyle/>
+            <a:p>
+              <a:r>
+                <a:rPr lang="en-US" altLang="ko-KR" sz="4000" dirty="0">
+                  <a:solidFill>
+                    <a:schemeClr val="bg1"/>
+                  </a:solidFill>
+                  <a:latin typeface="나눔스퀘어라운드 Bold" panose="020B0600000101010101" pitchFamily="50" charset="-127"/>
+                  <a:ea typeface="나눔스퀘어라운드 Bold" panose="020B0600000101010101" pitchFamily="50" charset="-127"/>
+                </a:rPr>
+                <a:t>B</a:t>
+              </a:r>
+              <a:endParaRPr lang="ko-KR" altLang="en-US" sz="4000" dirty="0">
+                <a:solidFill>
+                  <a:schemeClr val="bg1"/>
+                </a:solidFill>
+                <a:latin typeface="나눔스퀘어라운드 Bold" panose="020B0600000101010101" pitchFamily="50" charset="-127"/>
+                <a:ea typeface="나눔스퀘어라운드 Bold" panose="020B0600000101010101" pitchFamily="50" charset="-127"/>
+              </a:endParaRPr>
+            </a:p>
+          </p:txBody>
+        </p:sp>
+      </p:grpSp>
+      <p:grpSp>
+        <p:nvGrpSpPr>
+          <p:cNvPr id="38" name="그룹 37"/>
+          <p:cNvGrpSpPr/>
+          <p:nvPr/>
+        </p:nvGrpSpPr>
+        <p:grpSpPr>
+          <a:xfrm>
+            <a:off x="2820776" y="1708879"/>
+            <a:ext cx="749508" cy="773667"/>
+            <a:chOff x="2850756" y="1708879"/>
+            <a:chExt cx="749508" cy="773667"/>
+          </a:xfrm>
+        </p:grpSpPr>
+        <p:sp>
+          <p:nvSpPr>
+            <p:cNvPr id="31" name="모서리가 둥근 직사각형 30"/>
+            <p:cNvSpPr/>
+            <p:nvPr/>
+          </p:nvSpPr>
+          <p:spPr>
+            <a:xfrm>
+              <a:off x="2850756" y="1708879"/>
+              <a:ext cx="749508" cy="749508"/>
+            </a:xfrm>
+            <a:prstGeom prst="roundRect">
+              <a:avLst>
+                <a:gd name="adj" fmla="val 10667"/>
+              </a:avLst>
+            </a:prstGeom>
+            <a:solidFill>
+              <a:schemeClr val="accent2"/>
+            </a:solidFill>
+            <a:ln>
+              <a:noFill/>
+            </a:ln>
+          </p:spPr>
+          <p:style>
+            <a:lnRef idx="2">
+              <a:schemeClr val="accent1">
+                <a:shade val="50000"/>
+              </a:schemeClr>
+            </a:lnRef>
+            <a:fillRef idx="1">
+              <a:schemeClr val="accent1"/>
+            </a:fillRef>
+            <a:effectRef idx="0">
+              <a:schemeClr val="accent1"/>
+            </a:effectRef>
+            <a:fontRef idx="minor">
+              <a:schemeClr val="lt1"/>
+            </a:fontRef>
+          </p:style>
+          <p:txBody>
+            <a:bodyPr rtlCol="0" anchor="ctr"/>
+            <a:lstStyle/>
+            <a:p>
+              <a:pPr algn="ctr"/>
+              <a:endParaRPr lang="ko-KR" altLang="en-US"/>
+            </a:p>
+          </p:txBody>
+        </p:sp>
+        <p:sp>
+          <p:nvSpPr>
+            <p:cNvPr id="32" name="TextBox 31"/>
+            <p:cNvSpPr txBox="1"/>
+            <p:nvPr/>
+          </p:nvSpPr>
+          <p:spPr>
+            <a:xfrm>
+              <a:off x="2966924" y="1774660"/>
+              <a:ext cx="472202" cy="707886"/>
+            </a:xfrm>
+            <a:prstGeom prst="rect">
+              <a:avLst/>
+            </a:prstGeom>
+            <a:noFill/>
+          </p:spPr>
+          <p:txBody>
+            <a:bodyPr wrap="square" rtlCol="0">
+              <a:spAutoFit/>
+            </a:bodyPr>
+            <a:lstStyle/>
+            <a:p>
+              <a:r>
+                <a:rPr lang="en-US" altLang="ko-KR" sz="4000" dirty="0">
+                  <a:solidFill>
+                    <a:schemeClr val="bg1"/>
+                  </a:solidFill>
+                  <a:latin typeface="나눔스퀘어라운드 Bold" panose="020B0600000101010101" pitchFamily="50" charset="-127"/>
+                  <a:ea typeface="나눔스퀘어라운드 Bold" panose="020B0600000101010101" pitchFamily="50" charset="-127"/>
+                </a:rPr>
+                <a:t>C</a:t>
+              </a:r>
+              <a:endParaRPr lang="ko-KR" altLang="en-US" sz="4000" dirty="0">
+                <a:solidFill>
+                  <a:schemeClr val="bg1"/>
+                </a:solidFill>
+                <a:latin typeface="나눔스퀘어라운드 Bold" panose="020B0600000101010101" pitchFamily="50" charset="-127"/>
+                <a:ea typeface="나눔스퀘어라운드 Bold" panose="020B0600000101010101" pitchFamily="50" charset="-127"/>
+              </a:endParaRPr>
+            </a:p>
+          </p:txBody>
+        </p:sp>
+      </p:grpSp>
+      <p:grpSp>
+        <p:nvGrpSpPr>
+          <p:cNvPr id="39" name="그룹 38"/>
+          <p:cNvGrpSpPr/>
+          <p:nvPr/>
+        </p:nvGrpSpPr>
+        <p:grpSpPr>
+          <a:xfrm>
+            <a:off x="3841239" y="1708879"/>
+            <a:ext cx="749508" cy="773667"/>
+            <a:chOff x="3871219" y="1708879"/>
+            <a:chExt cx="749508" cy="773667"/>
+          </a:xfrm>
+        </p:grpSpPr>
+        <p:sp>
+          <p:nvSpPr>
+            <p:cNvPr id="33" name="모서리가 둥근 직사각형 32"/>
+            <p:cNvSpPr/>
+            <p:nvPr/>
+          </p:nvSpPr>
+          <p:spPr>
+            <a:xfrm>
+              <a:off x="3871219" y="1708879"/>
+              <a:ext cx="749508" cy="749508"/>
+            </a:xfrm>
+            <a:prstGeom prst="roundRect">
+              <a:avLst>
+                <a:gd name="adj" fmla="val 10667"/>
+              </a:avLst>
+            </a:prstGeom>
+            <a:solidFill>
+              <a:schemeClr val="accent2"/>
+            </a:solidFill>
+            <a:ln>
+              <a:noFill/>
+            </a:ln>
+          </p:spPr>
+          <p:style>
+            <a:lnRef idx="2">
+              <a:schemeClr val="accent1">
+                <a:shade val="50000"/>
+              </a:schemeClr>
+            </a:lnRef>
+            <a:fillRef idx="1">
+              <a:schemeClr val="accent1"/>
+            </a:fillRef>
+            <a:effectRef idx="0">
+              <a:schemeClr val="accent1"/>
+            </a:effectRef>
+            <a:fontRef idx="minor">
+              <a:schemeClr val="lt1"/>
+            </a:fontRef>
+          </p:style>
+          <p:txBody>
+            <a:bodyPr rtlCol="0" anchor="ctr"/>
+            <a:lstStyle/>
+            <a:p>
+              <a:pPr algn="ctr"/>
+              <a:endParaRPr lang="ko-KR" altLang="en-US"/>
+            </a:p>
+          </p:txBody>
+        </p:sp>
+        <p:sp>
+          <p:nvSpPr>
+            <p:cNvPr id="34" name="TextBox 33"/>
+            <p:cNvSpPr txBox="1"/>
+            <p:nvPr/>
+          </p:nvSpPr>
+          <p:spPr>
+            <a:xfrm>
+              <a:off x="3987387" y="1774660"/>
+              <a:ext cx="472202" cy="707886"/>
+            </a:xfrm>
+            <a:prstGeom prst="rect">
+              <a:avLst/>
+            </a:prstGeom>
+            <a:noFill/>
+          </p:spPr>
+          <p:txBody>
+            <a:bodyPr wrap="square" rtlCol="0">
+              <a:spAutoFit/>
+            </a:bodyPr>
+            <a:lstStyle/>
+            <a:p>
+              <a:r>
+                <a:rPr lang="en-US" altLang="ko-KR" sz="4000" dirty="0">
+                  <a:solidFill>
+                    <a:schemeClr val="bg1"/>
+                  </a:solidFill>
+                  <a:latin typeface="나눔스퀘어라운드 Bold" panose="020B0600000101010101" pitchFamily="50" charset="-127"/>
+                  <a:ea typeface="나눔스퀘어라운드 Bold" panose="020B0600000101010101" pitchFamily="50" charset="-127"/>
+                </a:rPr>
+                <a:t>D</a:t>
+              </a:r>
+              <a:endParaRPr lang="ko-KR" altLang="en-US" sz="4000" dirty="0">
+                <a:solidFill>
+                  <a:schemeClr val="bg1"/>
+                </a:solidFill>
+                <a:latin typeface="나눔스퀘어라운드 Bold" panose="020B0600000101010101" pitchFamily="50" charset="-127"/>
+                <a:ea typeface="나눔스퀘어라운드 Bold" panose="020B0600000101010101" pitchFamily="50" charset="-127"/>
+              </a:endParaRPr>
+            </a:p>
+          </p:txBody>
+        </p:sp>
+      </p:grpSp>
+      <p:sp>
+        <p:nvSpPr>
+          <p:cNvPr id="35" name="갈매기형 수장 34"/>
+          <p:cNvSpPr/>
+          <p:nvPr/>
+        </p:nvSpPr>
+        <p:spPr>
+          <a:xfrm>
+            <a:off x="4861702" y="1835046"/>
+            <a:ext cx="494678" cy="539646"/>
+          </a:xfrm>
+          <a:prstGeom prst="chevron">
+            <a:avLst>
+              <a:gd name="adj" fmla="val 46970"/>
+            </a:avLst>
+          </a:prstGeom>
+          <a:solidFill>
+            <a:schemeClr val="bg1">
+              <a:lumMod val="50000"/>
+            </a:schemeClr>
+          </a:solidFill>
+          <a:ln>
+            <a:noFill/>
+          </a:ln>
+        </p:spPr>
+        <p:style>
+          <a:lnRef idx="2">
+            <a:schemeClr val="accent1">
+              <a:shade val="50000"/>
+            </a:schemeClr>
+          </a:lnRef>
+          <a:fillRef idx="1">
+            <a:schemeClr val="accent1"/>
+          </a:fillRef>
+          <a:effectRef idx="0">
+            <a:schemeClr val="accent1"/>
+          </a:effectRef>
+          <a:fontRef idx="minor">
+            <a:schemeClr val="lt1"/>
+          </a:fontRef>
+        </p:style>
+        <p:txBody>
+          <a:bodyPr rtlCol="0" anchor="ctr"/>
+          <a:lstStyle/>
+          <a:p>
+            <a:pPr algn="ctr"/>
+            <a:endParaRPr lang="ko-KR" altLang="en-US">
+              <a:solidFill>
+                <a:schemeClr val="tx1"/>
+              </a:solidFill>
+            </a:endParaRPr>
+          </a:p>
+        </p:txBody>
+      </p:sp>
+      <p:sp>
+        <p:nvSpPr>
+          <p:cNvPr id="40" name="TextBox 39"/>
+          <p:cNvSpPr txBox="1"/>
+          <p:nvPr/>
+        </p:nvSpPr>
+        <p:spPr>
+          <a:xfrm>
+            <a:off x="5350943" y="2088337"/>
+            <a:ext cx="884590" cy="369332"/>
+          </a:xfrm>
+          <a:prstGeom prst="rect">
+            <a:avLst/>
+          </a:prstGeom>
+          <a:noFill/>
+        </p:spPr>
+        <p:txBody>
+          <a:bodyPr wrap="square" rtlCol="0">
+            <a:spAutoFit/>
+          </a:bodyPr>
+          <a:lstStyle/>
+          <a:p>
+            <a:r>
+              <a:rPr lang="ko-KR" altLang="en-US" dirty="0" err="1" smtClean="0">
+                <a:solidFill>
+                  <a:schemeClr val="bg1">
+                    <a:lumMod val="50000"/>
+                  </a:schemeClr>
+                </a:solidFill>
+                <a:latin typeface="나눔스퀘어라운드 Bold" panose="020B0600000101010101" pitchFamily="50" charset="-127"/>
+                <a:ea typeface="나눔스퀘어라운드 Bold" panose="020B0600000101010101" pitchFamily="50" charset="-127"/>
+              </a:rPr>
+              <a:t>더보기</a:t>
+            </a:r>
+            <a:endParaRPr lang="ko-KR" altLang="en-US" dirty="0">
+              <a:solidFill>
+                <a:schemeClr val="bg1">
+                  <a:lumMod val="50000"/>
+                </a:schemeClr>
+              </a:solidFill>
+              <a:latin typeface="나눔스퀘어라운드 Bold" panose="020B0600000101010101" pitchFamily="50" charset="-127"/>
+              <a:ea typeface="나눔스퀘어라운드 Bold" panose="020B0600000101010101" pitchFamily="50" charset="-127"/>
+            </a:endParaRPr>
+          </a:p>
+        </p:txBody>
+      </p:sp>
+      <p:sp>
+        <p:nvSpPr>
+          <p:cNvPr id="41" name="TextBox 40"/>
+          <p:cNvSpPr txBox="1"/>
+          <p:nvPr/>
+        </p:nvSpPr>
+        <p:spPr>
+          <a:xfrm>
+            <a:off x="731059" y="3693200"/>
+            <a:ext cx="4797885" cy="523220"/>
+          </a:xfrm>
+          <a:prstGeom prst="rect">
+            <a:avLst/>
+          </a:prstGeom>
+          <a:noFill/>
+        </p:spPr>
+        <p:txBody>
+          <a:bodyPr wrap="square" rtlCol="0">
+            <a:spAutoFit/>
+          </a:bodyPr>
+          <a:lstStyle/>
+          <a:p>
+            <a:r>
+              <a:rPr lang="ko-KR" altLang="en-US" sz="2800" dirty="0" smtClean="0">
+                <a:latin typeface="나눔스퀘어라운드 Bold" panose="020B0600000101010101" pitchFamily="50" charset="-127"/>
+                <a:ea typeface="나눔스퀘어라운드 Bold" panose="020B0600000101010101" pitchFamily="50" charset="-127"/>
+              </a:rPr>
+              <a:t>사용자님의 근처 </a:t>
+            </a:r>
+            <a:r>
+              <a:rPr lang="ko-KR" altLang="en-US" sz="2800" dirty="0" err="1" smtClean="0">
+                <a:latin typeface="나눔스퀘어라운드 Bold" panose="020B0600000101010101" pitchFamily="50" charset="-127"/>
+                <a:ea typeface="나눔스퀘어라운드 Bold" panose="020B0600000101010101" pitchFamily="50" charset="-127"/>
+              </a:rPr>
+              <a:t>맛집</a:t>
+            </a:r>
+            <a:endParaRPr lang="ko-KR" altLang="en-US" sz="2800" dirty="0">
+              <a:latin typeface="나눔스퀘어라운드 Bold" panose="020B0600000101010101" pitchFamily="50" charset="-127"/>
+              <a:ea typeface="나눔스퀘어라운드 Bold" panose="020B0600000101010101" pitchFamily="50" charset="-127"/>
+            </a:endParaRPr>
+          </a:p>
+        </p:txBody>
+      </p:sp>
+      <p:sp>
+        <p:nvSpPr>
+          <p:cNvPr id="42" name="모서리가 둥근 직사각형 41"/>
+          <p:cNvSpPr/>
+          <p:nvPr/>
+        </p:nvSpPr>
+        <p:spPr>
+          <a:xfrm>
+            <a:off x="404646" y="3510820"/>
+            <a:ext cx="6093216" cy="2176071"/>
+          </a:xfrm>
+          <a:prstGeom prst="roundRect">
+            <a:avLst/>
+          </a:prstGeom>
+          <a:noFill/>
+          <a:ln>
+            <a:solidFill>
+              <a:schemeClr val="bg2">
+                <a:lumMod val="75000"/>
+              </a:schemeClr>
+            </a:solidFill>
+          </a:ln>
+        </p:spPr>
+        <p:style>
+          <a:lnRef idx="2">
+            <a:schemeClr val="accent1">
+              <a:shade val="50000"/>
+            </a:schemeClr>
+          </a:lnRef>
+          <a:fillRef idx="1">
+            <a:schemeClr val="accent1"/>
+          </a:fillRef>
+          <a:effectRef idx="0">
+            <a:schemeClr val="accent1"/>
+          </a:effectRef>
+          <a:fontRef idx="minor">
+            <a:schemeClr val="lt1"/>
+          </a:fontRef>
+        </p:style>
+        <p:txBody>
+          <a:bodyPr rtlCol="0" anchor="ctr"/>
+          <a:lstStyle/>
+          <a:p>
+            <a:pPr algn="ctr"/>
+            <a:endParaRPr lang="ko-KR" altLang="en-US"/>
+          </a:p>
+        </p:txBody>
+      </p:sp>
+      <p:grpSp>
+        <p:nvGrpSpPr>
+          <p:cNvPr id="43" name="그룹 42"/>
+          <p:cNvGrpSpPr/>
+          <p:nvPr/>
+        </p:nvGrpSpPr>
+        <p:grpSpPr>
+          <a:xfrm>
+            <a:off x="802644" y="4427718"/>
+            <a:ext cx="749508" cy="773667"/>
+            <a:chOff x="802644" y="1708879"/>
+            <a:chExt cx="749508" cy="773667"/>
+          </a:xfrm>
+        </p:grpSpPr>
+        <p:sp>
+          <p:nvSpPr>
+            <p:cNvPr id="44" name="모서리가 둥근 직사각형 43"/>
+            <p:cNvSpPr/>
+            <p:nvPr/>
+          </p:nvSpPr>
+          <p:spPr>
+            <a:xfrm>
+              <a:off x="802644" y="1708879"/>
+              <a:ext cx="749508" cy="749508"/>
+            </a:xfrm>
+            <a:prstGeom prst="roundRect">
+              <a:avLst>
+                <a:gd name="adj" fmla="val 10667"/>
+              </a:avLst>
+            </a:prstGeom>
+            <a:solidFill>
+              <a:schemeClr val="accent4">
+                <a:lumMod val="75000"/>
+              </a:schemeClr>
+            </a:solidFill>
+            <a:ln>
+              <a:noFill/>
+            </a:ln>
+          </p:spPr>
+          <p:style>
+            <a:lnRef idx="2">
+              <a:schemeClr val="accent1">
+                <a:shade val="50000"/>
+              </a:schemeClr>
+            </a:lnRef>
+            <a:fillRef idx="1">
+              <a:schemeClr val="accent1"/>
+            </a:fillRef>
+            <a:effectRef idx="0">
+              <a:schemeClr val="accent1"/>
+            </a:effectRef>
+            <a:fontRef idx="minor">
+              <a:schemeClr val="lt1"/>
+            </a:fontRef>
+          </p:style>
+          <p:txBody>
+            <a:bodyPr rtlCol="0" anchor="ctr"/>
+            <a:lstStyle/>
+            <a:p>
+              <a:pPr algn="ctr"/>
+              <a:endParaRPr lang="ko-KR" altLang="en-US"/>
+            </a:p>
+          </p:txBody>
+        </p:sp>
+        <p:sp>
+          <p:nvSpPr>
+            <p:cNvPr id="45" name="TextBox 44"/>
+            <p:cNvSpPr txBox="1"/>
+            <p:nvPr/>
+          </p:nvSpPr>
+          <p:spPr>
+            <a:xfrm>
+              <a:off x="918812" y="1774660"/>
+              <a:ext cx="472202" cy="707886"/>
+            </a:xfrm>
+            <a:prstGeom prst="rect">
+              <a:avLst/>
+            </a:prstGeom>
+            <a:noFill/>
+          </p:spPr>
+          <p:txBody>
+            <a:bodyPr wrap="square" rtlCol="0">
+              <a:spAutoFit/>
+            </a:bodyPr>
+            <a:lstStyle/>
+            <a:p>
+              <a:r>
+                <a:rPr lang="en-US" altLang="ko-KR" sz="4000" dirty="0" smtClean="0">
+                  <a:solidFill>
+                    <a:schemeClr val="bg1"/>
+                  </a:solidFill>
+                  <a:latin typeface="나눔스퀘어라운드 Bold" panose="020B0600000101010101" pitchFamily="50" charset="-127"/>
+                  <a:ea typeface="나눔스퀘어라운드 Bold" panose="020B0600000101010101" pitchFamily="50" charset="-127"/>
+                </a:rPr>
+                <a:t>A</a:t>
+              </a:r>
+              <a:endParaRPr lang="ko-KR" altLang="en-US" sz="4000" dirty="0">
+                <a:solidFill>
+                  <a:schemeClr val="bg1"/>
+                </a:solidFill>
+                <a:latin typeface="나눔스퀘어라운드 Bold" panose="020B0600000101010101" pitchFamily="50" charset="-127"/>
+                <a:ea typeface="나눔스퀘어라운드 Bold" panose="020B0600000101010101" pitchFamily="50" charset="-127"/>
+              </a:endParaRPr>
+            </a:p>
+          </p:txBody>
+        </p:sp>
+      </p:grpSp>
+      <p:grpSp>
+        <p:nvGrpSpPr>
+          <p:cNvPr id="46" name="그룹 45"/>
+          <p:cNvGrpSpPr/>
+          <p:nvPr/>
+        </p:nvGrpSpPr>
+        <p:grpSpPr>
+          <a:xfrm>
+            <a:off x="1796720" y="4427718"/>
+            <a:ext cx="749508" cy="773667"/>
+            <a:chOff x="1826700" y="1708879"/>
+            <a:chExt cx="749508" cy="773667"/>
+          </a:xfrm>
+        </p:grpSpPr>
+        <p:sp>
+          <p:nvSpPr>
+            <p:cNvPr id="47" name="모서리가 둥근 직사각형 46"/>
+            <p:cNvSpPr/>
+            <p:nvPr/>
+          </p:nvSpPr>
+          <p:spPr>
+            <a:xfrm>
+              <a:off x="1826700" y="1708879"/>
+              <a:ext cx="749508" cy="749508"/>
+            </a:xfrm>
+            <a:prstGeom prst="roundRect">
+              <a:avLst>
+                <a:gd name="adj" fmla="val 10667"/>
+              </a:avLst>
+            </a:prstGeom>
+            <a:solidFill>
+              <a:schemeClr val="accent4">
+                <a:lumMod val="75000"/>
+              </a:schemeClr>
+            </a:solidFill>
+            <a:ln>
+              <a:noFill/>
+            </a:ln>
+          </p:spPr>
+          <p:style>
+            <a:lnRef idx="2">
+              <a:schemeClr val="accent1">
+                <a:shade val="50000"/>
+              </a:schemeClr>
+            </a:lnRef>
+            <a:fillRef idx="1">
+              <a:schemeClr val="accent1"/>
+            </a:fillRef>
+            <a:effectRef idx="0">
+              <a:schemeClr val="accent1"/>
+            </a:effectRef>
+            <a:fontRef idx="minor">
+              <a:schemeClr val="lt1"/>
+            </a:fontRef>
+          </p:style>
+          <p:txBody>
+            <a:bodyPr rtlCol="0" anchor="ctr"/>
+            <a:lstStyle/>
+            <a:p>
+              <a:pPr algn="ctr"/>
+              <a:endParaRPr lang="ko-KR" altLang="en-US"/>
+            </a:p>
+          </p:txBody>
+        </p:sp>
+        <p:sp>
+          <p:nvSpPr>
+            <p:cNvPr id="48" name="TextBox 47"/>
+            <p:cNvSpPr txBox="1"/>
+            <p:nvPr/>
+          </p:nvSpPr>
+          <p:spPr>
+            <a:xfrm>
+              <a:off x="1942868" y="1774660"/>
+              <a:ext cx="472202" cy="707886"/>
+            </a:xfrm>
+            <a:prstGeom prst="rect">
+              <a:avLst/>
+            </a:prstGeom>
+            <a:noFill/>
+          </p:spPr>
+          <p:txBody>
+            <a:bodyPr wrap="square" rtlCol="0">
+              <a:spAutoFit/>
+            </a:bodyPr>
+            <a:lstStyle/>
+            <a:p>
+              <a:r>
+                <a:rPr lang="en-US" altLang="ko-KR" sz="4000" dirty="0">
+                  <a:solidFill>
+                    <a:schemeClr val="bg1"/>
+                  </a:solidFill>
+                  <a:latin typeface="나눔스퀘어라운드 Bold" panose="020B0600000101010101" pitchFamily="50" charset="-127"/>
+                  <a:ea typeface="나눔스퀘어라운드 Bold" panose="020B0600000101010101" pitchFamily="50" charset="-127"/>
+                </a:rPr>
+                <a:t>B</a:t>
+              </a:r>
+              <a:endParaRPr lang="ko-KR" altLang="en-US" sz="4000" dirty="0">
+                <a:solidFill>
+                  <a:schemeClr val="bg1"/>
+                </a:solidFill>
+                <a:latin typeface="나눔스퀘어라운드 Bold" panose="020B0600000101010101" pitchFamily="50" charset="-127"/>
+                <a:ea typeface="나눔스퀘어라운드 Bold" panose="020B0600000101010101" pitchFamily="50" charset="-127"/>
+              </a:endParaRPr>
+            </a:p>
+          </p:txBody>
+        </p:sp>
+      </p:grpSp>
+      <p:grpSp>
+        <p:nvGrpSpPr>
+          <p:cNvPr id="49" name="그룹 48"/>
+          <p:cNvGrpSpPr/>
+          <p:nvPr/>
+        </p:nvGrpSpPr>
+        <p:grpSpPr>
+          <a:xfrm>
+            <a:off x="2820776" y="4427718"/>
+            <a:ext cx="749508" cy="773667"/>
+            <a:chOff x="2850756" y="1708879"/>
+            <a:chExt cx="749508" cy="773667"/>
+          </a:xfrm>
+        </p:grpSpPr>
+        <p:sp>
+          <p:nvSpPr>
+            <p:cNvPr id="50" name="모서리가 둥근 직사각형 49"/>
+            <p:cNvSpPr/>
+            <p:nvPr/>
+          </p:nvSpPr>
+          <p:spPr>
+            <a:xfrm>
+              <a:off x="2850756" y="1708879"/>
+              <a:ext cx="749508" cy="749508"/>
+            </a:xfrm>
+            <a:prstGeom prst="roundRect">
+              <a:avLst>
+                <a:gd name="adj" fmla="val 10667"/>
+              </a:avLst>
+            </a:prstGeom>
+            <a:solidFill>
+              <a:schemeClr val="accent4">
+                <a:lumMod val="75000"/>
+              </a:schemeClr>
+            </a:solidFill>
+            <a:ln>
+              <a:noFill/>
+            </a:ln>
+          </p:spPr>
+          <p:style>
+            <a:lnRef idx="2">
+              <a:schemeClr val="accent1">
+                <a:shade val="50000"/>
+              </a:schemeClr>
+            </a:lnRef>
+            <a:fillRef idx="1">
+              <a:schemeClr val="accent1"/>
+            </a:fillRef>
+            <a:effectRef idx="0">
+              <a:schemeClr val="accent1"/>
+            </a:effectRef>
+            <a:fontRef idx="minor">
+              <a:schemeClr val="lt1"/>
+            </a:fontRef>
+          </p:style>
+          <p:txBody>
+            <a:bodyPr rtlCol="0" anchor="ctr"/>
+            <a:lstStyle/>
+            <a:p>
+              <a:pPr algn="ctr"/>
+              <a:endParaRPr lang="ko-KR" altLang="en-US"/>
+            </a:p>
+          </p:txBody>
+        </p:sp>
+        <p:sp>
+          <p:nvSpPr>
+            <p:cNvPr id="51" name="TextBox 50"/>
+            <p:cNvSpPr txBox="1"/>
+            <p:nvPr/>
+          </p:nvSpPr>
+          <p:spPr>
+            <a:xfrm>
+              <a:off x="2966924" y="1774660"/>
+              <a:ext cx="472202" cy="707886"/>
+            </a:xfrm>
+            <a:prstGeom prst="rect">
+              <a:avLst/>
+            </a:prstGeom>
+            <a:noFill/>
+          </p:spPr>
+          <p:txBody>
+            <a:bodyPr wrap="square" rtlCol="0">
+              <a:spAutoFit/>
+            </a:bodyPr>
+            <a:lstStyle/>
+            <a:p>
+              <a:r>
+                <a:rPr lang="en-US" altLang="ko-KR" sz="4000" dirty="0">
+                  <a:solidFill>
+                    <a:schemeClr val="bg1"/>
+                  </a:solidFill>
+                  <a:latin typeface="나눔스퀘어라운드 Bold" panose="020B0600000101010101" pitchFamily="50" charset="-127"/>
+                  <a:ea typeface="나눔스퀘어라운드 Bold" panose="020B0600000101010101" pitchFamily="50" charset="-127"/>
+                </a:rPr>
+                <a:t>C</a:t>
+              </a:r>
+              <a:endParaRPr lang="ko-KR" altLang="en-US" sz="4000" dirty="0">
+                <a:solidFill>
+                  <a:schemeClr val="bg1"/>
+                </a:solidFill>
+                <a:latin typeface="나눔스퀘어라운드 Bold" panose="020B0600000101010101" pitchFamily="50" charset="-127"/>
+                <a:ea typeface="나눔스퀘어라운드 Bold" panose="020B0600000101010101" pitchFamily="50" charset="-127"/>
+              </a:endParaRPr>
+            </a:p>
+          </p:txBody>
+        </p:sp>
+      </p:grpSp>
+      <p:grpSp>
+        <p:nvGrpSpPr>
+          <p:cNvPr id="52" name="그룹 51"/>
+          <p:cNvGrpSpPr/>
+          <p:nvPr/>
+        </p:nvGrpSpPr>
+        <p:grpSpPr>
+          <a:xfrm>
+            <a:off x="3841239" y="4427718"/>
+            <a:ext cx="749508" cy="773667"/>
+            <a:chOff x="3871219" y="1708879"/>
+            <a:chExt cx="749508" cy="773667"/>
+          </a:xfrm>
+        </p:grpSpPr>
+        <p:sp>
+          <p:nvSpPr>
+            <p:cNvPr id="53" name="모서리가 둥근 직사각형 52"/>
+            <p:cNvSpPr/>
+            <p:nvPr/>
+          </p:nvSpPr>
+          <p:spPr>
+            <a:xfrm>
+              <a:off x="3871219" y="1708879"/>
+              <a:ext cx="749508" cy="749508"/>
+            </a:xfrm>
+            <a:prstGeom prst="roundRect">
+              <a:avLst>
+                <a:gd name="adj" fmla="val 10667"/>
+              </a:avLst>
+            </a:prstGeom>
+            <a:solidFill>
+              <a:schemeClr val="accent4">
+                <a:lumMod val="75000"/>
+              </a:schemeClr>
+            </a:solidFill>
+            <a:ln>
+              <a:noFill/>
+            </a:ln>
+          </p:spPr>
+          <p:style>
+            <a:lnRef idx="2">
+              <a:schemeClr val="accent1">
+                <a:shade val="50000"/>
+              </a:schemeClr>
+            </a:lnRef>
+            <a:fillRef idx="1">
+              <a:schemeClr val="accent1"/>
+            </a:fillRef>
+            <a:effectRef idx="0">
+              <a:schemeClr val="accent1"/>
+            </a:effectRef>
+            <a:fontRef idx="minor">
+              <a:schemeClr val="lt1"/>
+            </a:fontRef>
+          </p:style>
+          <p:txBody>
+            <a:bodyPr rtlCol="0" anchor="ctr"/>
+            <a:lstStyle/>
+            <a:p>
+              <a:pPr algn="ctr"/>
+              <a:endParaRPr lang="ko-KR" altLang="en-US"/>
+            </a:p>
+          </p:txBody>
+        </p:sp>
+        <p:sp>
+          <p:nvSpPr>
+            <p:cNvPr id="54" name="TextBox 53"/>
+            <p:cNvSpPr txBox="1"/>
+            <p:nvPr/>
+          </p:nvSpPr>
+          <p:spPr>
+            <a:xfrm>
+              <a:off x="3987387" y="1774660"/>
+              <a:ext cx="472202" cy="707886"/>
+            </a:xfrm>
+            <a:prstGeom prst="rect">
+              <a:avLst/>
+            </a:prstGeom>
+            <a:noFill/>
+          </p:spPr>
+          <p:txBody>
+            <a:bodyPr wrap="square" rtlCol="0">
+              <a:spAutoFit/>
+            </a:bodyPr>
+            <a:lstStyle/>
+            <a:p>
+              <a:r>
+                <a:rPr lang="en-US" altLang="ko-KR" sz="4000" dirty="0">
+                  <a:solidFill>
+                    <a:schemeClr val="bg1"/>
+                  </a:solidFill>
+                  <a:latin typeface="나눔스퀘어라운드 Bold" panose="020B0600000101010101" pitchFamily="50" charset="-127"/>
+                  <a:ea typeface="나눔스퀘어라운드 Bold" panose="020B0600000101010101" pitchFamily="50" charset="-127"/>
+                </a:rPr>
+                <a:t>D</a:t>
+              </a:r>
+              <a:endParaRPr lang="ko-KR" altLang="en-US" sz="4000" dirty="0">
+                <a:solidFill>
+                  <a:schemeClr val="bg1"/>
+                </a:solidFill>
+                <a:latin typeface="나눔스퀘어라운드 Bold" panose="020B0600000101010101" pitchFamily="50" charset="-127"/>
+                <a:ea typeface="나눔스퀘어라운드 Bold" panose="020B0600000101010101" pitchFamily="50" charset="-127"/>
+              </a:endParaRPr>
+            </a:p>
+          </p:txBody>
+        </p:sp>
+      </p:grpSp>
+      <p:sp>
+        <p:nvSpPr>
+          <p:cNvPr id="55" name="갈매기형 수장 54"/>
+          <p:cNvSpPr/>
+          <p:nvPr/>
+        </p:nvSpPr>
+        <p:spPr>
+          <a:xfrm>
+            <a:off x="4861702" y="4553885"/>
+            <a:ext cx="494678" cy="539646"/>
+          </a:xfrm>
+          <a:prstGeom prst="chevron">
+            <a:avLst>
+              <a:gd name="adj" fmla="val 46970"/>
+            </a:avLst>
+          </a:prstGeom>
+          <a:solidFill>
+            <a:schemeClr val="bg1">
+              <a:lumMod val="50000"/>
+            </a:schemeClr>
+          </a:solidFill>
+          <a:ln>
+            <a:noFill/>
+          </a:ln>
+        </p:spPr>
+        <p:style>
+          <a:lnRef idx="2">
+            <a:schemeClr val="accent1">
+              <a:shade val="50000"/>
+            </a:schemeClr>
+          </a:lnRef>
+          <a:fillRef idx="1">
+            <a:schemeClr val="accent1"/>
+          </a:fillRef>
+          <a:effectRef idx="0">
+            <a:schemeClr val="accent1"/>
+          </a:effectRef>
+          <a:fontRef idx="minor">
+            <a:schemeClr val="lt1"/>
+          </a:fontRef>
+        </p:style>
+        <p:txBody>
+          <a:bodyPr rtlCol="0" anchor="ctr"/>
+          <a:lstStyle/>
+          <a:p>
+            <a:pPr algn="ctr"/>
+            <a:endParaRPr lang="ko-KR" altLang="en-US">
+              <a:solidFill>
+                <a:schemeClr val="tx1"/>
+              </a:solidFill>
+            </a:endParaRPr>
+          </a:p>
+        </p:txBody>
+      </p:sp>
+      <p:sp>
+        <p:nvSpPr>
+          <p:cNvPr id="56" name="TextBox 55"/>
+          <p:cNvSpPr txBox="1"/>
+          <p:nvPr/>
+        </p:nvSpPr>
+        <p:spPr>
+          <a:xfrm>
+            <a:off x="5350943" y="4807176"/>
+            <a:ext cx="884590" cy="369332"/>
+          </a:xfrm>
+          <a:prstGeom prst="rect">
+            <a:avLst/>
+          </a:prstGeom>
+          <a:noFill/>
+        </p:spPr>
+        <p:txBody>
+          <a:bodyPr wrap="square" rtlCol="0">
+            <a:spAutoFit/>
+          </a:bodyPr>
+          <a:lstStyle/>
+          <a:p>
+            <a:r>
+              <a:rPr lang="ko-KR" altLang="en-US" dirty="0" err="1" smtClean="0">
+                <a:solidFill>
+                  <a:schemeClr val="bg1">
+                    <a:lumMod val="50000"/>
+                  </a:schemeClr>
+                </a:solidFill>
+                <a:latin typeface="나눔스퀘어라운드 Bold" panose="020B0600000101010101" pitchFamily="50" charset="-127"/>
+                <a:ea typeface="나눔스퀘어라운드 Bold" panose="020B0600000101010101" pitchFamily="50" charset="-127"/>
+              </a:rPr>
+              <a:t>더보기</a:t>
+            </a:r>
+            <a:endParaRPr lang="ko-KR" altLang="en-US" dirty="0">
+              <a:solidFill>
+                <a:schemeClr val="bg1">
+                  <a:lumMod val="50000"/>
+                </a:schemeClr>
+              </a:solidFill>
+              <a:latin typeface="나눔스퀘어라운드 Bold" panose="020B0600000101010101" pitchFamily="50" charset="-127"/>
+              <a:ea typeface="나눔스퀘어라운드 Bold" panose="020B0600000101010101" pitchFamily="50" charset="-127"/>
+            </a:endParaRPr>
+          </a:p>
+        </p:txBody>
+      </p:sp>
+      <p:sp>
+        <p:nvSpPr>
+          <p:cNvPr id="57" name="TextBox 56"/>
+          <p:cNvSpPr txBox="1"/>
+          <p:nvPr/>
+        </p:nvSpPr>
+        <p:spPr>
+          <a:xfrm>
+            <a:off x="731059" y="6412039"/>
+            <a:ext cx="4797885" cy="523220"/>
+          </a:xfrm>
+          <a:prstGeom prst="rect">
+            <a:avLst/>
+          </a:prstGeom>
+          <a:noFill/>
+        </p:spPr>
+        <p:txBody>
+          <a:bodyPr wrap="square" rtlCol="0">
+            <a:spAutoFit/>
+          </a:bodyPr>
+          <a:lstStyle/>
+          <a:p>
+            <a:r>
+              <a:rPr lang="ko-KR" altLang="en-US" sz="2800" dirty="0" smtClean="0">
+                <a:latin typeface="나눔스퀘어라운드 Bold" panose="020B0600000101010101" pitchFamily="50" charset="-127"/>
+                <a:ea typeface="나눔스퀘어라운드 Bold" panose="020B0600000101010101" pitchFamily="50" charset="-127"/>
+              </a:rPr>
+              <a:t>사용자님이 좋아할만한 먹거리</a:t>
+            </a:r>
+            <a:endParaRPr lang="ko-KR" altLang="en-US" sz="2800" dirty="0">
+              <a:latin typeface="나눔스퀘어라운드 Bold" panose="020B0600000101010101" pitchFamily="50" charset="-127"/>
+              <a:ea typeface="나눔스퀘어라운드 Bold" panose="020B0600000101010101" pitchFamily="50" charset="-127"/>
+            </a:endParaRPr>
+          </a:p>
+        </p:txBody>
+      </p:sp>
+      <p:sp>
+        <p:nvSpPr>
+          <p:cNvPr id="58" name="모서리가 둥근 직사각형 57"/>
+          <p:cNvSpPr/>
+          <p:nvPr/>
+        </p:nvSpPr>
+        <p:spPr>
+          <a:xfrm>
+            <a:off x="404646" y="6229659"/>
+            <a:ext cx="6093216" cy="2176071"/>
+          </a:xfrm>
+          <a:prstGeom prst="roundRect">
+            <a:avLst/>
+          </a:prstGeom>
+          <a:noFill/>
+          <a:ln>
+            <a:solidFill>
+              <a:schemeClr val="bg2">
+                <a:lumMod val="75000"/>
+              </a:schemeClr>
+            </a:solidFill>
+          </a:ln>
+        </p:spPr>
+        <p:style>
+          <a:lnRef idx="2">
+            <a:schemeClr val="accent1">
+              <a:shade val="50000"/>
+            </a:schemeClr>
+          </a:lnRef>
+          <a:fillRef idx="1">
+            <a:schemeClr val="accent1"/>
+          </a:fillRef>
+          <a:effectRef idx="0">
+            <a:schemeClr val="accent1"/>
+          </a:effectRef>
+          <a:fontRef idx="minor">
+            <a:schemeClr val="lt1"/>
+          </a:fontRef>
+        </p:style>
+        <p:txBody>
+          <a:bodyPr rtlCol="0" anchor="ctr"/>
+          <a:lstStyle/>
+          <a:p>
+            <a:pPr algn="ctr"/>
+            <a:endParaRPr lang="ko-KR" altLang="en-US"/>
+          </a:p>
+        </p:txBody>
+      </p:sp>
+      <p:grpSp>
+        <p:nvGrpSpPr>
+          <p:cNvPr id="59" name="그룹 58"/>
+          <p:cNvGrpSpPr/>
+          <p:nvPr/>
+        </p:nvGrpSpPr>
+        <p:grpSpPr>
+          <a:xfrm>
+            <a:off x="802644" y="7146557"/>
+            <a:ext cx="749508" cy="773667"/>
+            <a:chOff x="802644" y="1708879"/>
+            <a:chExt cx="749508" cy="773667"/>
+          </a:xfrm>
+        </p:grpSpPr>
+        <p:sp>
+          <p:nvSpPr>
+            <p:cNvPr id="60" name="모서리가 둥근 직사각형 59"/>
+            <p:cNvSpPr/>
+            <p:nvPr/>
+          </p:nvSpPr>
+          <p:spPr>
+            <a:xfrm>
+              <a:off x="802644" y="1708879"/>
+              <a:ext cx="749508" cy="749508"/>
+            </a:xfrm>
+            <a:prstGeom prst="roundRect">
+              <a:avLst>
+                <a:gd name="adj" fmla="val 10667"/>
+              </a:avLst>
+            </a:prstGeom>
+            <a:solidFill>
+              <a:schemeClr val="accent6">
+                <a:lumMod val="75000"/>
+              </a:schemeClr>
+            </a:solidFill>
+            <a:ln>
+              <a:noFill/>
+            </a:ln>
+          </p:spPr>
+          <p:style>
+            <a:lnRef idx="2">
+              <a:schemeClr val="accent1">
+                <a:shade val="50000"/>
+              </a:schemeClr>
+            </a:lnRef>
+            <a:fillRef idx="1">
+              <a:schemeClr val="accent1"/>
+            </a:fillRef>
+            <a:effectRef idx="0">
+              <a:schemeClr val="accent1"/>
+            </a:effectRef>
+            <a:fontRef idx="minor">
+              <a:schemeClr val="lt1"/>
+            </a:fontRef>
+          </p:style>
+          <p:txBody>
+            <a:bodyPr rtlCol="0" anchor="ctr"/>
+            <a:lstStyle/>
+            <a:p>
+              <a:pPr algn="ctr"/>
+              <a:endParaRPr lang="ko-KR" altLang="en-US"/>
+            </a:p>
+          </p:txBody>
+        </p:sp>
+        <p:sp>
+          <p:nvSpPr>
+            <p:cNvPr id="61" name="TextBox 60"/>
+            <p:cNvSpPr txBox="1"/>
+            <p:nvPr/>
+          </p:nvSpPr>
+          <p:spPr>
+            <a:xfrm>
+              <a:off x="918812" y="1774660"/>
+              <a:ext cx="472202" cy="707886"/>
+            </a:xfrm>
+            <a:prstGeom prst="rect">
+              <a:avLst/>
+            </a:prstGeom>
+            <a:noFill/>
+          </p:spPr>
+          <p:txBody>
+            <a:bodyPr wrap="square" rtlCol="0">
+              <a:spAutoFit/>
+            </a:bodyPr>
+            <a:lstStyle/>
+            <a:p>
+              <a:r>
+                <a:rPr lang="en-US" altLang="ko-KR" sz="4000" dirty="0" smtClean="0">
+                  <a:solidFill>
+                    <a:schemeClr val="bg1"/>
+                  </a:solidFill>
+                  <a:latin typeface="나눔스퀘어라운드 Bold" panose="020B0600000101010101" pitchFamily="50" charset="-127"/>
+                  <a:ea typeface="나눔스퀘어라운드 Bold" panose="020B0600000101010101" pitchFamily="50" charset="-127"/>
+                </a:rPr>
+                <a:t>A</a:t>
+              </a:r>
+              <a:endParaRPr lang="ko-KR" altLang="en-US" sz="4000" dirty="0">
+                <a:solidFill>
+                  <a:schemeClr val="bg1"/>
+                </a:solidFill>
+                <a:latin typeface="나눔스퀘어라운드 Bold" panose="020B0600000101010101" pitchFamily="50" charset="-127"/>
+                <a:ea typeface="나눔스퀘어라운드 Bold" panose="020B0600000101010101" pitchFamily="50" charset="-127"/>
+              </a:endParaRPr>
+            </a:p>
+          </p:txBody>
+        </p:sp>
+      </p:grpSp>
+      <p:grpSp>
+        <p:nvGrpSpPr>
+          <p:cNvPr id="62" name="그룹 61"/>
+          <p:cNvGrpSpPr/>
+          <p:nvPr/>
+        </p:nvGrpSpPr>
+        <p:grpSpPr>
+          <a:xfrm>
+            <a:off x="1796720" y="7146557"/>
+            <a:ext cx="749508" cy="773667"/>
+            <a:chOff x="1826700" y="1708879"/>
+            <a:chExt cx="749508" cy="773667"/>
+          </a:xfrm>
+        </p:grpSpPr>
+        <p:sp>
+          <p:nvSpPr>
+            <p:cNvPr id="63" name="모서리가 둥근 직사각형 62"/>
+            <p:cNvSpPr/>
+            <p:nvPr/>
+          </p:nvSpPr>
+          <p:spPr>
+            <a:xfrm>
+              <a:off x="1826700" y="1708879"/>
+              <a:ext cx="749508" cy="749508"/>
+            </a:xfrm>
+            <a:prstGeom prst="roundRect">
+              <a:avLst>
+                <a:gd name="adj" fmla="val 10667"/>
+              </a:avLst>
+            </a:prstGeom>
+            <a:solidFill>
+              <a:schemeClr val="accent6">
+                <a:lumMod val="75000"/>
+              </a:schemeClr>
+            </a:solidFill>
+            <a:ln>
+              <a:noFill/>
+            </a:ln>
+          </p:spPr>
+          <p:style>
+            <a:lnRef idx="2">
+              <a:schemeClr val="accent1">
+                <a:shade val="50000"/>
+              </a:schemeClr>
+            </a:lnRef>
+            <a:fillRef idx="1">
+              <a:schemeClr val="accent1"/>
+            </a:fillRef>
+            <a:effectRef idx="0">
+              <a:schemeClr val="accent1"/>
+            </a:effectRef>
+            <a:fontRef idx="minor">
+              <a:schemeClr val="lt1"/>
+            </a:fontRef>
+          </p:style>
+          <p:txBody>
+            <a:bodyPr rtlCol="0" anchor="ctr"/>
+            <a:lstStyle/>
+            <a:p>
+              <a:pPr algn="ctr"/>
+              <a:endParaRPr lang="ko-KR" altLang="en-US"/>
+            </a:p>
+          </p:txBody>
+        </p:sp>
+        <p:sp>
+          <p:nvSpPr>
+            <p:cNvPr id="64" name="TextBox 63"/>
+            <p:cNvSpPr txBox="1"/>
+            <p:nvPr/>
+          </p:nvSpPr>
+          <p:spPr>
+            <a:xfrm>
+              <a:off x="1942868" y="1774660"/>
+              <a:ext cx="472202" cy="707886"/>
+            </a:xfrm>
+            <a:prstGeom prst="rect">
+              <a:avLst/>
+            </a:prstGeom>
+            <a:noFill/>
+          </p:spPr>
+          <p:txBody>
+            <a:bodyPr wrap="square" rtlCol="0">
+              <a:spAutoFit/>
+            </a:bodyPr>
+            <a:lstStyle/>
+            <a:p>
+              <a:r>
+                <a:rPr lang="en-US" altLang="ko-KR" sz="4000" dirty="0">
+                  <a:solidFill>
+                    <a:schemeClr val="bg1"/>
+                  </a:solidFill>
+                  <a:latin typeface="나눔스퀘어라운드 Bold" panose="020B0600000101010101" pitchFamily="50" charset="-127"/>
+                  <a:ea typeface="나눔스퀘어라운드 Bold" panose="020B0600000101010101" pitchFamily="50" charset="-127"/>
+                </a:rPr>
+                <a:t>B</a:t>
+              </a:r>
+              <a:endParaRPr lang="ko-KR" altLang="en-US" sz="4000" dirty="0">
+                <a:solidFill>
+                  <a:schemeClr val="bg1"/>
+                </a:solidFill>
+                <a:latin typeface="나눔스퀘어라운드 Bold" panose="020B0600000101010101" pitchFamily="50" charset="-127"/>
+                <a:ea typeface="나눔스퀘어라운드 Bold" panose="020B0600000101010101" pitchFamily="50" charset="-127"/>
+              </a:endParaRPr>
+            </a:p>
+          </p:txBody>
+        </p:sp>
+      </p:grpSp>
+      <p:grpSp>
+        <p:nvGrpSpPr>
+          <p:cNvPr id="65" name="그룹 64"/>
+          <p:cNvGrpSpPr/>
+          <p:nvPr/>
+        </p:nvGrpSpPr>
+        <p:grpSpPr>
+          <a:xfrm>
+            <a:off x="2820776" y="7146557"/>
+            <a:ext cx="749508" cy="773667"/>
+            <a:chOff x="2850756" y="1708879"/>
+            <a:chExt cx="749508" cy="773667"/>
+          </a:xfrm>
+        </p:grpSpPr>
+        <p:sp>
+          <p:nvSpPr>
+            <p:cNvPr id="66" name="모서리가 둥근 직사각형 65"/>
+            <p:cNvSpPr/>
+            <p:nvPr/>
+          </p:nvSpPr>
+          <p:spPr>
+            <a:xfrm>
+              <a:off x="2850756" y="1708879"/>
+              <a:ext cx="749508" cy="749508"/>
+            </a:xfrm>
+            <a:prstGeom prst="roundRect">
+              <a:avLst>
+                <a:gd name="adj" fmla="val 10667"/>
+              </a:avLst>
+            </a:prstGeom>
+            <a:solidFill>
+              <a:schemeClr val="accent6">
+                <a:lumMod val="75000"/>
+              </a:schemeClr>
+            </a:solidFill>
+            <a:ln>
+              <a:noFill/>
+            </a:ln>
+          </p:spPr>
+          <p:style>
+            <a:lnRef idx="2">
+              <a:schemeClr val="accent1">
+                <a:shade val="50000"/>
+              </a:schemeClr>
+            </a:lnRef>
+            <a:fillRef idx="1">
+              <a:schemeClr val="accent1"/>
+            </a:fillRef>
+            <a:effectRef idx="0">
+              <a:schemeClr val="accent1"/>
+            </a:effectRef>
+            <a:fontRef idx="minor">
+              <a:schemeClr val="lt1"/>
+            </a:fontRef>
+          </p:style>
+          <p:txBody>
+            <a:bodyPr rtlCol="0" anchor="ctr"/>
+            <a:lstStyle/>
+            <a:p>
+              <a:pPr algn="ctr"/>
+              <a:endParaRPr lang="ko-KR" altLang="en-US"/>
+            </a:p>
+          </p:txBody>
+        </p:sp>
+        <p:sp>
+          <p:nvSpPr>
+            <p:cNvPr id="67" name="TextBox 66"/>
+            <p:cNvSpPr txBox="1"/>
+            <p:nvPr/>
+          </p:nvSpPr>
+          <p:spPr>
+            <a:xfrm>
+              <a:off x="2966924" y="1774660"/>
+              <a:ext cx="472202" cy="707886"/>
+            </a:xfrm>
+            <a:prstGeom prst="rect">
+              <a:avLst/>
+            </a:prstGeom>
+            <a:noFill/>
+          </p:spPr>
+          <p:txBody>
+            <a:bodyPr wrap="square" rtlCol="0">
+              <a:spAutoFit/>
+            </a:bodyPr>
+            <a:lstStyle/>
+            <a:p>
+              <a:r>
+                <a:rPr lang="en-US" altLang="ko-KR" sz="4000" dirty="0">
+                  <a:solidFill>
+                    <a:schemeClr val="bg1"/>
+                  </a:solidFill>
+                  <a:latin typeface="나눔스퀘어라운드 Bold" panose="020B0600000101010101" pitchFamily="50" charset="-127"/>
+                  <a:ea typeface="나눔스퀘어라운드 Bold" panose="020B0600000101010101" pitchFamily="50" charset="-127"/>
+                </a:rPr>
+                <a:t>C</a:t>
+              </a:r>
+              <a:endParaRPr lang="ko-KR" altLang="en-US" sz="4000" dirty="0">
+                <a:solidFill>
+                  <a:schemeClr val="bg1"/>
+                </a:solidFill>
+                <a:latin typeface="나눔스퀘어라운드 Bold" panose="020B0600000101010101" pitchFamily="50" charset="-127"/>
+                <a:ea typeface="나눔스퀘어라운드 Bold" panose="020B0600000101010101" pitchFamily="50" charset="-127"/>
+              </a:endParaRPr>
+            </a:p>
+          </p:txBody>
+        </p:sp>
+      </p:grpSp>
+      <p:grpSp>
+        <p:nvGrpSpPr>
+          <p:cNvPr id="68" name="그룹 67"/>
+          <p:cNvGrpSpPr/>
+          <p:nvPr/>
+        </p:nvGrpSpPr>
+        <p:grpSpPr>
+          <a:xfrm>
+            <a:off x="3841239" y="7146557"/>
+            <a:ext cx="749508" cy="773667"/>
+            <a:chOff x="3871219" y="1708879"/>
+            <a:chExt cx="749508" cy="773667"/>
+          </a:xfrm>
+        </p:grpSpPr>
+        <p:sp>
+          <p:nvSpPr>
+            <p:cNvPr id="69" name="모서리가 둥근 직사각형 68"/>
+            <p:cNvSpPr/>
+            <p:nvPr/>
+          </p:nvSpPr>
+          <p:spPr>
+            <a:xfrm>
+              <a:off x="3871219" y="1708879"/>
+              <a:ext cx="749508" cy="749508"/>
+            </a:xfrm>
+            <a:prstGeom prst="roundRect">
+              <a:avLst>
+                <a:gd name="adj" fmla="val 10667"/>
+              </a:avLst>
+            </a:prstGeom>
+            <a:solidFill>
+              <a:schemeClr val="accent6">
+                <a:lumMod val="75000"/>
+              </a:schemeClr>
+            </a:solidFill>
+            <a:ln>
+              <a:noFill/>
+            </a:ln>
+          </p:spPr>
+          <p:style>
+            <a:lnRef idx="2">
+              <a:schemeClr val="accent1">
+                <a:shade val="50000"/>
+              </a:schemeClr>
+            </a:lnRef>
+            <a:fillRef idx="1">
+              <a:schemeClr val="accent1"/>
+            </a:fillRef>
+            <a:effectRef idx="0">
+              <a:schemeClr val="accent1"/>
+            </a:effectRef>
+            <a:fontRef idx="minor">
+              <a:schemeClr val="lt1"/>
+            </a:fontRef>
+          </p:style>
+          <p:txBody>
+            <a:bodyPr rtlCol="0" anchor="ctr"/>
+            <a:lstStyle/>
+            <a:p>
+              <a:pPr algn="ctr"/>
+              <a:endParaRPr lang="ko-KR" altLang="en-US"/>
+            </a:p>
+          </p:txBody>
+        </p:sp>
+        <p:sp>
+          <p:nvSpPr>
+            <p:cNvPr id="70" name="TextBox 69"/>
+            <p:cNvSpPr txBox="1"/>
+            <p:nvPr/>
+          </p:nvSpPr>
+          <p:spPr>
+            <a:xfrm>
+              <a:off x="3987387" y="1774660"/>
+              <a:ext cx="472202" cy="707886"/>
+            </a:xfrm>
+            <a:prstGeom prst="rect">
+              <a:avLst/>
+            </a:prstGeom>
+            <a:noFill/>
+          </p:spPr>
+          <p:txBody>
+            <a:bodyPr wrap="square" rtlCol="0">
+              <a:spAutoFit/>
+            </a:bodyPr>
+            <a:lstStyle/>
+            <a:p>
+              <a:r>
+                <a:rPr lang="en-US" altLang="ko-KR" sz="4000" dirty="0">
+                  <a:solidFill>
+                    <a:schemeClr val="bg1"/>
+                  </a:solidFill>
+                  <a:latin typeface="나눔스퀘어라운드 Bold" panose="020B0600000101010101" pitchFamily="50" charset="-127"/>
+                  <a:ea typeface="나눔스퀘어라운드 Bold" panose="020B0600000101010101" pitchFamily="50" charset="-127"/>
+                </a:rPr>
+                <a:t>D</a:t>
+              </a:r>
+              <a:endParaRPr lang="ko-KR" altLang="en-US" sz="4000" dirty="0">
+                <a:solidFill>
+                  <a:schemeClr val="bg1"/>
+                </a:solidFill>
+                <a:latin typeface="나눔스퀘어라운드 Bold" panose="020B0600000101010101" pitchFamily="50" charset="-127"/>
+                <a:ea typeface="나눔스퀘어라운드 Bold" panose="020B0600000101010101" pitchFamily="50" charset="-127"/>
+              </a:endParaRPr>
+            </a:p>
+          </p:txBody>
+        </p:sp>
+      </p:grpSp>
+      <p:sp>
+        <p:nvSpPr>
+          <p:cNvPr id="71" name="갈매기형 수장 70"/>
+          <p:cNvSpPr/>
+          <p:nvPr/>
+        </p:nvSpPr>
+        <p:spPr>
+          <a:xfrm>
+            <a:off x="4861702" y="7272724"/>
+            <a:ext cx="494678" cy="539646"/>
+          </a:xfrm>
+          <a:prstGeom prst="chevron">
+            <a:avLst>
+              <a:gd name="adj" fmla="val 46970"/>
+            </a:avLst>
+          </a:prstGeom>
+          <a:solidFill>
+            <a:schemeClr val="bg1">
+              <a:lumMod val="50000"/>
+            </a:schemeClr>
+          </a:solidFill>
+          <a:ln>
+            <a:noFill/>
+          </a:ln>
+        </p:spPr>
+        <p:style>
+          <a:lnRef idx="2">
+            <a:schemeClr val="accent1">
+              <a:shade val="50000"/>
+            </a:schemeClr>
+          </a:lnRef>
+          <a:fillRef idx="1">
+            <a:schemeClr val="accent1"/>
+          </a:fillRef>
+          <a:effectRef idx="0">
+            <a:schemeClr val="accent1"/>
+          </a:effectRef>
+          <a:fontRef idx="minor">
+            <a:schemeClr val="lt1"/>
+          </a:fontRef>
+        </p:style>
+        <p:txBody>
+          <a:bodyPr rtlCol="0" anchor="ctr"/>
+          <a:lstStyle/>
+          <a:p>
+            <a:pPr algn="ctr"/>
+            <a:endParaRPr lang="ko-KR" altLang="en-US">
+              <a:solidFill>
+                <a:schemeClr val="tx1"/>
+              </a:solidFill>
+            </a:endParaRPr>
+          </a:p>
+        </p:txBody>
+      </p:sp>
+      <p:sp>
+        <p:nvSpPr>
+          <p:cNvPr id="72" name="TextBox 71"/>
+          <p:cNvSpPr txBox="1"/>
+          <p:nvPr/>
+        </p:nvSpPr>
+        <p:spPr>
+          <a:xfrm>
+            <a:off x="5350943" y="7526015"/>
+            <a:ext cx="884590" cy="369332"/>
+          </a:xfrm>
+          <a:prstGeom prst="rect">
+            <a:avLst/>
+          </a:prstGeom>
+          <a:noFill/>
+        </p:spPr>
+        <p:txBody>
+          <a:bodyPr wrap="square" rtlCol="0">
+            <a:spAutoFit/>
+          </a:bodyPr>
+          <a:lstStyle/>
+          <a:p>
+            <a:r>
+              <a:rPr lang="ko-KR" altLang="en-US" dirty="0" err="1" smtClean="0">
+                <a:solidFill>
+                  <a:schemeClr val="bg1">
+                    <a:lumMod val="50000"/>
+                  </a:schemeClr>
+                </a:solidFill>
+                <a:latin typeface="나눔스퀘어라운드 Bold" panose="020B0600000101010101" pitchFamily="50" charset="-127"/>
+                <a:ea typeface="나눔스퀘어라운드 Bold" panose="020B0600000101010101" pitchFamily="50" charset="-127"/>
+              </a:rPr>
+              <a:t>더보기</a:t>
+            </a:r>
+            <a:endParaRPr lang="ko-KR" altLang="en-US" dirty="0">
+              <a:solidFill>
+                <a:schemeClr val="bg1">
+                  <a:lumMod val="50000"/>
+                </a:schemeClr>
+              </a:solidFill>
+              <a:latin typeface="나눔스퀘어라운드 Bold" panose="020B0600000101010101" pitchFamily="50" charset="-127"/>
+              <a:ea typeface="나눔스퀘어라운드 Bold" panose="020B0600000101010101" pitchFamily="50" charset="-127"/>
+            </a:endParaRPr>
+          </a:p>
+        </p:txBody>
+      </p:sp>
+      <p:grpSp>
+        <p:nvGrpSpPr>
+          <p:cNvPr id="73" name="그룹 72"/>
+          <p:cNvGrpSpPr/>
+          <p:nvPr/>
+        </p:nvGrpSpPr>
+        <p:grpSpPr>
+          <a:xfrm>
+            <a:off x="-1" y="8981040"/>
+            <a:ext cx="6858000" cy="900542"/>
+            <a:chOff x="-1" y="8981040"/>
+            <a:chExt cx="6858000" cy="900542"/>
+          </a:xfrm>
+        </p:grpSpPr>
+        <p:sp>
+          <p:nvSpPr>
+            <p:cNvPr id="74" name="직사각형 73"/>
+            <p:cNvSpPr/>
+            <p:nvPr/>
+          </p:nvSpPr>
+          <p:spPr>
+            <a:xfrm>
+              <a:off x="-1" y="8981040"/>
+              <a:ext cx="6858000" cy="900542"/>
+            </a:xfrm>
+            <a:prstGeom prst="rect">
+              <a:avLst/>
+            </a:prstGeom>
+            <a:solidFill>
+              <a:schemeClr val="bg1">
+                <a:lumMod val="50000"/>
+              </a:schemeClr>
+            </a:solidFill>
+            <a:ln>
+              <a:solidFill>
+                <a:schemeClr val="bg2"/>
+              </a:solidFill>
+            </a:ln>
+          </p:spPr>
+          <p:style>
+            <a:lnRef idx="2">
+              <a:schemeClr val="accent1">
+                <a:shade val="50000"/>
+              </a:schemeClr>
+            </a:lnRef>
+            <a:fillRef idx="1">
+              <a:schemeClr val="accent1"/>
+            </a:fillRef>
+            <a:effectRef idx="0">
+              <a:schemeClr val="accent1"/>
+            </a:effectRef>
+            <a:fontRef idx="minor">
+              <a:schemeClr val="lt1"/>
+            </a:fontRef>
+          </p:style>
+          <p:txBody>
+            <a:bodyPr rtlCol="0" anchor="ctr"/>
+            <a:lstStyle/>
+            <a:p>
+              <a:pPr algn="ctr"/>
+              <a:endParaRPr lang="ko-KR" altLang="en-US"/>
+            </a:p>
+          </p:txBody>
+        </p:sp>
+        <p:sp>
+          <p:nvSpPr>
+            <p:cNvPr id="75" name="직사각형 74"/>
+            <p:cNvSpPr/>
+            <p:nvPr/>
+          </p:nvSpPr>
+          <p:spPr>
+            <a:xfrm flipH="1">
+              <a:off x="1746544" y="9056554"/>
+              <a:ext cx="45719" cy="791980"/>
+            </a:xfrm>
+            <a:prstGeom prst="rect">
+              <a:avLst/>
+            </a:prstGeom>
+            <a:solidFill>
+              <a:schemeClr val="bg1"/>
+            </a:solidFill>
+            <a:ln>
+              <a:noFill/>
+            </a:ln>
+          </p:spPr>
+          <p:style>
+            <a:lnRef idx="2">
+              <a:schemeClr val="accent1">
+                <a:shade val="50000"/>
+              </a:schemeClr>
+            </a:lnRef>
+            <a:fillRef idx="1">
+              <a:schemeClr val="accent1"/>
+            </a:fillRef>
+            <a:effectRef idx="0">
+              <a:schemeClr val="accent1"/>
+            </a:effectRef>
+            <a:fontRef idx="minor">
+              <a:schemeClr val="lt1"/>
+            </a:fontRef>
+          </p:style>
+          <p:txBody>
+            <a:bodyPr rtlCol="0" anchor="ctr"/>
+            <a:lstStyle/>
+            <a:p>
+              <a:pPr algn="ctr"/>
+              <a:endParaRPr lang="ko-KR" altLang="en-US"/>
+            </a:p>
+          </p:txBody>
+        </p:sp>
+        <p:sp>
+          <p:nvSpPr>
+            <p:cNvPr id="76" name="직사각형 75"/>
+            <p:cNvSpPr/>
+            <p:nvPr/>
+          </p:nvSpPr>
+          <p:spPr>
+            <a:xfrm>
+              <a:off x="3447369" y="9062803"/>
+              <a:ext cx="45719" cy="791980"/>
+            </a:xfrm>
+            <a:prstGeom prst="rect">
+              <a:avLst/>
+            </a:prstGeom>
+            <a:solidFill>
+              <a:schemeClr val="bg1"/>
+            </a:solidFill>
+            <a:ln>
+              <a:noFill/>
+            </a:ln>
+          </p:spPr>
+          <p:style>
+            <a:lnRef idx="2">
+              <a:schemeClr val="accent1">
+                <a:shade val="50000"/>
+              </a:schemeClr>
+            </a:lnRef>
+            <a:fillRef idx="1">
+              <a:schemeClr val="accent1"/>
+            </a:fillRef>
+            <a:effectRef idx="0">
+              <a:schemeClr val="accent1"/>
+            </a:effectRef>
+            <a:fontRef idx="minor">
+              <a:schemeClr val="lt1"/>
+            </a:fontRef>
+          </p:style>
+          <p:txBody>
+            <a:bodyPr rtlCol="0" anchor="ctr"/>
+            <a:lstStyle/>
+            <a:p>
+              <a:pPr algn="ctr"/>
+              <a:endParaRPr lang="ko-KR" altLang="en-US"/>
+            </a:p>
+          </p:txBody>
+        </p:sp>
+        <p:sp>
+          <p:nvSpPr>
+            <p:cNvPr id="77" name="직사각형 76"/>
+            <p:cNvSpPr/>
+            <p:nvPr/>
+          </p:nvSpPr>
+          <p:spPr>
+            <a:xfrm>
+              <a:off x="5174423" y="9062803"/>
+              <a:ext cx="45719" cy="791980"/>
+            </a:xfrm>
+            <a:prstGeom prst="rect">
+              <a:avLst/>
+            </a:prstGeom>
+            <a:solidFill>
+              <a:schemeClr val="bg1"/>
+            </a:solidFill>
+            <a:ln>
+              <a:noFill/>
+            </a:ln>
+          </p:spPr>
+          <p:style>
+            <a:lnRef idx="2">
+              <a:schemeClr val="accent1">
+                <a:shade val="50000"/>
+              </a:schemeClr>
+            </a:lnRef>
+            <a:fillRef idx="1">
+              <a:schemeClr val="accent1"/>
+            </a:fillRef>
+            <a:effectRef idx="0">
+              <a:schemeClr val="accent1"/>
+            </a:effectRef>
+            <a:fontRef idx="minor">
+              <a:schemeClr val="lt1"/>
+            </a:fontRef>
+          </p:style>
+          <p:txBody>
+            <a:bodyPr rtlCol="0" anchor="ctr"/>
+            <a:lstStyle/>
+            <a:p>
+              <a:pPr algn="ctr"/>
+              <a:endParaRPr lang="ko-KR" altLang="en-US"/>
+            </a:p>
+          </p:txBody>
+        </p:sp>
+        <p:sp>
+          <p:nvSpPr>
+            <p:cNvPr id="78" name="위쪽 화살표 77"/>
+            <p:cNvSpPr/>
+            <p:nvPr/>
+          </p:nvSpPr>
+          <p:spPr>
+            <a:xfrm>
+              <a:off x="633543" y="9137753"/>
+              <a:ext cx="674557" cy="587116"/>
+            </a:xfrm>
+            <a:prstGeom prst="upArrow">
+              <a:avLst>
+                <a:gd name="adj1" fmla="val 50000"/>
+                <a:gd name="adj2" fmla="val 67872"/>
+              </a:avLst>
+            </a:prstGeom>
+            <a:solidFill>
+              <a:schemeClr val="bg1"/>
+            </a:solidFill>
+            <a:ln>
+              <a:noFill/>
+            </a:ln>
+          </p:spPr>
+          <p:style>
+            <a:lnRef idx="2">
+              <a:schemeClr val="accent1">
+                <a:shade val="50000"/>
+              </a:schemeClr>
+            </a:lnRef>
+            <a:fillRef idx="1">
+              <a:schemeClr val="accent1"/>
+            </a:fillRef>
+            <a:effectRef idx="0">
+              <a:schemeClr val="accent1"/>
+            </a:effectRef>
+            <a:fontRef idx="minor">
+              <a:schemeClr val="lt1"/>
+            </a:fontRef>
+          </p:style>
+          <p:txBody>
+            <a:bodyPr rtlCol="0" anchor="ctr"/>
+            <a:lstStyle/>
+            <a:p>
+              <a:pPr algn="ctr"/>
+              <a:endParaRPr lang="ko-KR" altLang="en-US"/>
+            </a:p>
+          </p:txBody>
+        </p:sp>
+        <p:grpSp>
+          <p:nvGrpSpPr>
+            <p:cNvPr id="79" name="그룹 78"/>
+            <p:cNvGrpSpPr/>
+            <p:nvPr/>
+          </p:nvGrpSpPr>
+          <p:grpSpPr>
+            <a:xfrm>
+              <a:off x="5776743" y="9132756"/>
+              <a:ext cx="524655" cy="652073"/>
+              <a:chOff x="1371611" y="2598295"/>
+              <a:chExt cx="524655" cy="652073"/>
+            </a:xfrm>
+            <a:solidFill>
+              <a:schemeClr val="bg1"/>
+            </a:solidFill>
+          </p:grpSpPr>
+          <p:sp>
+            <p:nvSpPr>
+              <p:cNvPr id="86" name="이등변 삼각형 85"/>
+              <p:cNvSpPr/>
+              <p:nvPr/>
+            </p:nvSpPr>
+            <p:spPr>
+              <a:xfrm>
+                <a:off x="1371611" y="2755693"/>
+                <a:ext cx="524655" cy="494675"/>
+              </a:xfrm>
+              <a:prstGeom prst="triangle">
+                <a:avLst/>
+              </a:prstGeom>
+              <a:grpFill/>
+              <a:ln>
+                <a:noFill/>
+              </a:ln>
+            </p:spPr>
+            <p:style>
+              <a:lnRef idx="2">
+                <a:schemeClr val="accent1">
+                  <a:shade val="50000"/>
+                </a:schemeClr>
+              </a:lnRef>
+              <a:fillRef idx="1">
+                <a:schemeClr val="accent1"/>
+              </a:fillRef>
+              <a:effectRef idx="0">
+                <a:schemeClr val="accent1"/>
+              </a:effectRef>
+              <a:fontRef idx="minor">
+                <a:schemeClr val="lt1"/>
+              </a:fontRef>
+            </p:style>
+            <p:txBody>
+              <a:bodyPr rtlCol="0" anchor="ctr"/>
+              <a:lstStyle/>
+              <a:p>
+                <a:pPr algn="ctr"/>
+                <a:endParaRPr lang="ko-KR" altLang="en-US"/>
+              </a:p>
+            </p:txBody>
+          </p:sp>
+          <p:sp>
+            <p:nvSpPr>
+              <p:cNvPr id="87" name="타원 86"/>
+              <p:cNvSpPr/>
+              <p:nvPr/>
+            </p:nvSpPr>
+            <p:spPr>
+              <a:xfrm>
+                <a:off x="1431570" y="2598295"/>
+                <a:ext cx="404735" cy="404735"/>
+              </a:xfrm>
+              <a:prstGeom prst="ellipse">
+                <a:avLst/>
+              </a:prstGeom>
+              <a:grpFill/>
+              <a:ln>
+                <a:noFill/>
+              </a:ln>
+            </p:spPr>
+            <p:style>
+              <a:lnRef idx="2">
+                <a:schemeClr val="accent1">
+                  <a:shade val="50000"/>
+                </a:schemeClr>
+              </a:lnRef>
+              <a:fillRef idx="1">
+                <a:schemeClr val="accent1"/>
+              </a:fillRef>
+              <a:effectRef idx="0">
+                <a:schemeClr val="accent1"/>
+              </a:effectRef>
+              <a:fontRef idx="minor">
+                <a:schemeClr val="lt1"/>
+              </a:fontRef>
+            </p:style>
+            <p:txBody>
+              <a:bodyPr rtlCol="0" anchor="ctr"/>
+              <a:lstStyle/>
+              <a:p>
+                <a:pPr algn="ctr"/>
+                <a:endParaRPr lang="ko-KR" altLang="en-US"/>
+              </a:p>
+            </p:txBody>
+          </p:sp>
+        </p:grpSp>
+        <p:sp>
+          <p:nvSpPr>
+            <p:cNvPr id="80" name="번개 79"/>
+            <p:cNvSpPr/>
+            <p:nvPr/>
+          </p:nvSpPr>
+          <p:spPr>
+            <a:xfrm>
+              <a:off x="2330253" y="9143872"/>
+              <a:ext cx="719640" cy="725774"/>
+            </a:xfrm>
+            <a:prstGeom prst="lightningBolt">
+              <a:avLst/>
+            </a:prstGeom>
+            <a:solidFill>
+              <a:schemeClr val="bg1"/>
+            </a:solidFill>
+            <a:ln>
+              <a:noFill/>
+            </a:ln>
+          </p:spPr>
+          <p:style>
+            <a:lnRef idx="2">
+              <a:schemeClr val="accent1">
+                <a:shade val="50000"/>
+              </a:schemeClr>
+            </a:lnRef>
+            <a:fillRef idx="1">
+              <a:schemeClr val="accent1"/>
+            </a:fillRef>
+            <a:effectRef idx="0">
+              <a:schemeClr val="accent1"/>
+            </a:effectRef>
+            <a:fontRef idx="minor">
+              <a:schemeClr val="lt1"/>
+            </a:fontRef>
+          </p:style>
+          <p:txBody>
+            <a:bodyPr rtlCol="0" anchor="ctr"/>
+            <a:lstStyle/>
+            <a:p>
+              <a:pPr algn="ctr"/>
+              <a:endParaRPr lang="ko-KR" altLang="en-US"/>
+            </a:p>
+          </p:txBody>
+        </p:sp>
+        <p:grpSp>
+          <p:nvGrpSpPr>
+            <p:cNvPr id="81" name="그룹 80"/>
+            <p:cNvGrpSpPr/>
+            <p:nvPr/>
+          </p:nvGrpSpPr>
+          <p:grpSpPr>
+            <a:xfrm>
+              <a:off x="3972014" y="9132756"/>
+              <a:ext cx="750267" cy="559631"/>
+              <a:chOff x="1079292" y="6775554"/>
+              <a:chExt cx="750267" cy="559631"/>
+            </a:xfrm>
+          </p:grpSpPr>
+          <p:sp>
+            <p:nvSpPr>
+              <p:cNvPr id="82" name="모서리가 둥근 사각형 설명선 81"/>
+              <p:cNvSpPr/>
+              <p:nvPr/>
+            </p:nvSpPr>
+            <p:spPr>
+              <a:xfrm>
+                <a:off x="1079292" y="6775554"/>
+                <a:ext cx="750267" cy="559631"/>
+              </a:xfrm>
+              <a:prstGeom prst="wedgeRoundRectCallout">
+                <a:avLst>
+                  <a:gd name="adj1" fmla="val -8588"/>
+                  <a:gd name="adj2" fmla="val 73287"/>
+                  <a:gd name="adj3" fmla="val 16667"/>
+                </a:avLst>
+              </a:prstGeom>
+              <a:solidFill>
+                <a:schemeClr val="bg1"/>
+              </a:solidFill>
+              <a:ln>
+                <a:noFill/>
+              </a:ln>
+            </p:spPr>
+            <p:style>
+              <a:lnRef idx="2">
+                <a:schemeClr val="accent1">
+                  <a:shade val="50000"/>
+                </a:schemeClr>
+              </a:lnRef>
+              <a:fillRef idx="1">
+                <a:schemeClr val="accent1"/>
+              </a:fillRef>
+              <a:effectRef idx="0">
+                <a:schemeClr val="accent1"/>
+              </a:effectRef>
+              <a:fontRef idx="minor">
+                <a:schemeClr val="lt1"/>
+              </a:fontRef>
+            </p:style>
+            <p:txBody>
+              <a:bodyPr rtlCol="0" anchor="ctr"/>
+              <a:lstStyle/>
+              <a:p>
+                <a:pPr algn="ctr"/>
+                <a:endParaRPr lang="ko-KR" altLang="en-US"/>
+              </a:p>
+            </p:txBody>
+          </p:sp>
+          <p:sp>
+            <p:nvSpPr>
+              <p:cNvPr id="83" name="직사각형 82"/>
+              <p:cNvSpPr/>
+              <p:nvPr/>
+            </p:nvSpPr>
+            <p:spPr>
+              <a:xfrm>
+                <a:off x="1210835" y="6895475"/>
+                <a:ext cx="532911" cy="45719"/>
+              </a:xfrm>
+              <a:prstGeom prst="rect">
+                <a:avLst/>
+              </a:prstGeom>
+              <a:solidFill>
+                <a:schemeClr val="bg1">
+                  <a:lumMod val="50000"/>
+                </a:schemeClr>
+              </a:solidFill>
+              <a:ln>
+                <a:noFill/>
+              </a:ln>
+            </p:spPr>
+            <p:style>
+              <a:lnRef idx="2">
+                <a:schemeClr val="accent1">
+                  <a:shade val="50000"/>
+                </a:schemeClr>
+              </a:lnRef>
+              <a:fillRef idx="1">
+                <a:schemeClr val="accent1"/>
+              </a:fillRef>
+              <a:effectRef idx="0">
+                <a:schemeClr val="accent1"/>
+              </a:effectRef>
+              <a:fontRef idx="minor">
+                <a:schemeClr val="lt1"/>
+              </a:fontRef>
+            </p:style>
+            <p:txBody>
+              <a:bodyPr rtlCol="0" anchor="ctr"/>
+              <a:lstStyle/>
+              <a:p>
+                <a:pPr algn="ctr"/>
+                <a:endParaRPr lang="ko-KR" altLang="en-US"/>
+              </a:p>
+            </p:txBody>
+          </p:sp>
+          <p:sp>
+            <p:nvSpPr>
+              <p:cNvPr id="84" name="직사각형 83"/>
+              <p:cNvSpPr/>
+              <p:nvPr/>
+            </p:nvSpPr>
+            <p:spPr>
+              <a:xfrm>
+                <a:off x="1214961" y="7009650"/>
+                <a:ext cx="532911" cy="45719"/>
+              </a:xfrm>
+              <a:prstGeom prst="rect">
+                <a:avLst/>
+              </a:prstGeom>
+              <a:solidFill>
+                <a:schemeClr val="bg1">
+                  <a:lumMod val="50000"/>
+                </a:schemeClr>
+              </a:solidFill>
+              <a:ln>
+                <a:noFill/>
+              </a:ln>
+            </p:spPr>
+            <p:style>
+              <a:lnRef idx="2">
+                <a:schemeClr val="accent1">
+                  <a:shade val="50000"/>
+                </a:schemeClr>
+              </a:lnRef>
+              <a:fillRef idx="1">
+                <a:schemeClr val="accent1"/>
+              </a:fillRef>
+              <a:effectRef idx="0">
+                <a:schemeClr val="accent1"/>
+              </a:effectRef>
+              <a:fontRef idx="minor">
+                <a:schemeClr val="lt1"/>
+              </a:fontRef>
+            </p:style>
+            <p:txBody>
+              <a:bodyPr rtlCol="0" anchor="ctr"/>
+              <a:lstStyle/>
+              <a:p>
+                <a:pPr algn="ctr"/>
+                <a:endParaRPr lang="ko-KR" altLang="en-US"/>
+              </a:p>
+            </p:txBody>
+          </p:sp>
+          <p:sp>
+            <p:nvSpPr>
+              <p:cNvPr id="85" name="직사각형 84"/>
+              <p:cNvSpPr/>
+              <p:nvPr/>
+            </p:nvSpPr>
+            <p:spPr>
+              <a:xfrm>
+                <a:off x="1210835" y="7126698"/>
+                <a:ext cx="532911" cy="45719"/>
+              </a:xfrm>
+              <a:prstGeom prst="rect">
+                <a:avLst/>
+              </a:prstGeom>
+              <a:solidFill>
+                <a:schemeClr val="bg1">
+                  <a:lumMod val="50000"/>
+                </a:schemeClr>
+              </a:solidFill>
+              <a:ln>
+                <a:noFill/>
+              </a:ln>
+            </p:spPr>
+            <p:style>
+              <a:lnRef idx="2">
+                <a:schemeClr val="accent1">
+                  <a:shade val="50000"/>
+                </a:schemeClr>
+              </a:lnRef>
+              <a:fillRef idx="1">
+                <a:schemeClr val="accent1"/>
+              </a:fillRef>
+              <a:effectRef idx="0">
+                <a:schemeClr val="accent1"/>
+              </a:effectRef>
+              <a:fontRef idx="minor">
+                <a:schemeClr val="lt1"/>
+              </a:fontRef>
+            </p:style>
+            <p:txBody>
+              <a:bodyPr rtlCol="0" anchor="ctr"/>
+              <a:lstStyle/>
+              <a:p>
+                <a:pPr algn="ctr"/>
+                <a:endParaRPr lang="ko-KR" altLang="en-US"/>
+              </a:p>
+            </p:txBody>
+          </p:sp>
+        </p:grpSp>
+      </p:grpSp>
     </p:spTree>
     <p:extLst>
       <p:ext uri="{BB962C8B-B14F-4D97-AF65-F5344CB8AC3E}">
@@ -6817,711 +8394,253 @@
           </a:prstGeom>
         </p:spPr>
       </p:pic>
-      <p:grpSp>
-        <p:nvGrpSpPr>
-          <p:cNvPr id="5" name="그룹 4"/>
-          <p:cNvGrpSpPr/>
+      <p:pic>
+        <p:nvPicPr>
+          <p:cNvPr id="3" name="그림 2"/>
+          <p:cNvPicPr>
+            <a:picLocks noChangeAspect="1"/>
+          </p:cNvPicPr>
           <p:nvPr/>
-        </p:nvGrpSpPr>
-        <p:grpSpPr>
+        </p:nvPicPr>
+        <p:blipFill rotWithShape="1">
+          <a:blip r:embed="rId3">
+            <a:extLst>
+              <a:ext uri="{28A0092B-C50C-407E-A947-70E740481C1C}">
+                <a14:useLocalDpi xmlns:a14="http://schemas.microsoft.com/office/drawing/2010/main" val="0"/>
+              </a:ext>
+            </a:extLst>
+          </a:blip>
+          <a:srcRect l="-435" t="4724" r="-217" b="27089"/>
+          <a:stretch/>
+        </p:blipFill>
+        <p:spPr>
           <a:xfrm>
-            <a:off x="0" y="8964118"/>
-            <a:ext cx="6858000" cy="941882"/>
-            <a:chOff x="0" y="8964118"/>
-            <a:chExt cx="6858000" cy="941882"/>
+            <a:off x="-29980" y="387246"/>
+            <a:ext cx="6906716" cy="9518754"/>
           </a:xfrm>
-        </p:grpSpPr>
-        <p:sp>
-          <p:nvSpPr>
-            <p:cNvPr id="6" name="직사각형 5"/>
-            <p:cNvSpPr/>
-            <p:nvPr/>
-          </p:nvSpPr>
-          <p:spPr>
-            <a:xfrm>
-              <a:off x="0" y="8964118"/>
-              <a:ext cx="6858000" cy="941882"/>
-            </a:xfrm>
-            <a:prstGeom prst="rect">
-              <a:avLst/>
-            </a:prstGeom>
-            <a:solidFill>
-              <a:schemeClr val="bg1">
-                <a:lumMod val="50000"/>
-              </a:schemeClr>
-            </a:solidFill>
-            <a:ln>
-              <a:solidFill>
-                <a:schemeClr val="bg2"/>
-              </a:solidFill>
-            </a:ln>
-          </p:spPr>
-          <p:style>
-            <a:lnRef idx="2">
-              <a:schemeClr val="accent1">
-                <a:shade val="50000"/>
-              </a:schemeClr>
-            </a:lnRef>
-            <a:fillRef idx="1">
-              <a:schemeClr val="accent1"/>
-            </a:fillRef>
-            <a:effectRef idx="0">
-              <a:schemeClr val="accent1"/>
-            </a:effectRef>
-            <a:fontRef idx="minor">
-              <a:schemeClr val="lt1"/>
-            </a:fontRef>
-          </p:style>
-          <p:txBody>
-            <a:bodyPr rtlCol="0" anchor="ctr"/>
-            <a:lstStyle/>
-            <a:p>
-              <a:pPr algn="ctr"/>
-              <a:endParaRPr lang="ko-KR" altLang="en-US"/>
-            </a:p>
-          </p:txBody>
-        </p:sp>
-        <p:sp>
-          <p:nvSpPr>
-            <p:cNvPr id="7" name="직사각형 6"/>
-            <p:cNvSpPr/>
-            <p:nvPr/>
-          </p:nvSpPr>
-          <p:spPr>
-            <a:xfrm>
-              <a:off x="1431572" y="9044067"/>
-              <a:ext cx="45719" cy="791980"/>
-            </a:xfrm>
-            <a:prstGeom prst="rect">
-              <a:avLst/>
-            </a:prstGeom>
-            <a:solidFill>
-              <a:schemeClr val="bg1"/>
-            </a:solidFill>
-            <a:ln>
-              <a:noFill/>
-            </a:ln>
-          </p:spPr>
-          <p:style>
-            <a:lnRef idx="2">
-              <a:schemeClr val="accent1">
-                <a:shade val="50000"/>
-              </a:schemeClr>
-            </a:lnRef>
-            <a:fillRef idx="1">
-              <a:schemeClr val="accent1"/>
-            </a:fillRef>
-            <a:effectRef idx="0">
-              <a:schemeClr val="accent1"/>
-            </a:effectRef>
-            <a:fontRef idx="minor">
-              <a:schemeClr val="lt1"/>
-            </a:fontRef>
-          </p:style>
-          <p:txBody>
-            <a:bodyPr rtlCol="0" anchor="ctr"/>
-            <a:lstStyle/>
-            <a:p>
-              <a:pPr algn="ctr"/>
-              <a:endParaRPr lang="ko-KR" altLang="en-US"/>
-            </a:p>
-          </p:txBody>
-        </p:sp>
-        <p:sp>
-          <p:nvSpPr>
-            <p:cNvPr id="8" name="직사각형 7"/>
-            <p:cNvSpPr/>
-            <p:nvPr/>
-          </p:nvSpPr>
-          <p:spPr>
-            <a:xfrm>
-              <a:off x="2788179" y="9044067"/>
-              <a:ext cx="45719" cy="791980"/>
-            </a:xfrm>
-            <a:prstGeom prst="rect">
-              <a:avLst/>
-            </a:prstGeom>
-            <a:solidFill>
-              <a:schemeClr val="bg1"/>
-            </a:solidFill>
-            <a:ln>
-              <a:noFill/>
-            </a:ln>
-          </p:spPr>
-          <p:style>
-            <a:lnRef idx="2">
-              <a:schemeClr val="accent1">
-                <a:shade val="50000"/>
-              </a:schemeClr>
-            </a:lnRef>
-            <a:fillRef idx="1">
-              <a:schemeClr val="accent1"/>
-            </a:fillRef>
-            <a:effectRef idx="0">
-              <a:schemeClr val="accent1"/>
-            </a:effectRef>
-            <a:fontRef idx="minor">
-              <a:schemeClr val="lt1"/>
-            </a:fontRef>
-          </p:style>
-          <p:txBody>
-            <a:bodyPr rtlCol="0" anchor="ctr"/>
-            <a:lstStyle/>
-            <a:p>
-              <a:pPr algn="ctr"/>
-              <a:endParaRPr lang="ko-KR" altLang="en-US"/>
-            </a:p>
-          </p:txBody>
-        </p:sp>
-        <p:sp>
-          <p:nvSpPr>
-            <p:cNvPr id="9" name="직사각형 8"/>
-            <p:cNvSpPr/>
-            <p:nvPr/>
-          </p:nvSpPr>
-          <p:spPr>
-            <a:xfrm>
-              <a:off x="4144786" y="9039069"/>
-              <a:ext cx="45719" cy="791980"/>
-            </a:xfrm>
-            <a:prstGeom prst="rect">
-              <a:avLst/>
-            </a:prstGeom>
-            <a:solidFill>
-              <a:schemeClr val="bg1"/>
-            </a:solidFill>
-            <a:ln>
-              <a:noFill/>
-            </a:ln>
-          </p:spPr>
-          <p:style>
-            <a:lnRef idx="2">
-              <a:schemeClr val="accent1">
-                <a:shade val="50000"/>
-              </a:schemeClr>
-            </a:lnRef>
-            <a:fillRef idx="1">
-              <a:schemeClr val="accent1"/>
-            </a:fillRef>
-            <a:effectRef idx="0">
-              <a:schemeClr val="accent1"/>
-            </a:effectRef>
-            <a:fontRef idx="minor">
-              <a:schemeClr val="lt1"/>
-            </a:fontRef>
-          </p:style>
-          <p:txBody>
-            <a:bodyPr rtlCol="0" anchor="ctr"/>
-            <a:lstStyle/>
-            <a:p>
-              <a:pPr algn="ctr"/>
-              <a:endParaRPr lang="ko-KR" altLang="en-US"/>
-            </a:p>
-          </p:txBody>
-        </p:sp>
-        <p:sp>
-          <p:nvSpPr>
-            <p:cNvPr id="10" name="직사각형 9"/>
-            <p:cNvSpPr/>
-            <p:nvPr/>
-          </p:nvSpPr>
-          <p:spPr>
-            <a:xfrm>
-              <a:off x="5501393" y="9039069"/>
-              <a:ext cx="45719" cy="791980"/>
-            </a:xfrm>
-            <a:prstGeom prst="rect">
-              <a:avLst/>
-            </a:prstGeom>
-            <a:solidFill>
-              <a:schemeClr val="bg1"/>
-            </a:solidFill>
-            <a:ln>
-              <a:noFill/>
-            </a:ln>
-          </p:spPr>
-          <p:style>
-            <a:lnRef idx="2">
-              <a:schemeClr val="accent1">
-                <a:shade val="50000"/>
-              </a:schemeClr>
-            </a:lnRef>
-            <a:fillRef idx="1">
-              <a:schemeClr val="accent1"/>
-            </a:fillRef>
-            <a:effectRef idx="0">
-              <a:schemeClr val="accent1"/>
-            </a:effectRef>
-            <a:fontRef idx="minor">
-              <a:schemeClr val="lt1"/>
-            </a:fontRef>
-          </p:style>
-          <p:txBody>
-            <a:bodyPr rtlCol="0" anchor="ctr"/>
-            <a:lstStyle/>
-            <a:p>
-              <a:pPr algn="ctr"/>
-              <a:endParaRPr lang="ko-KR" altLang="en-US"/>
-            </a:p>
-          </p:txBody>
-        </p:sp>
-        <p:sp>
-          <p:nvSpPr>
-            <p:cNvPr id="11" name="위쪽 화살표 10"/>
-            <p:cNvSpPr/>
-            <p:nvPr/>
-          </p:nvSpPr>
-          <p:spPr>
-            <a:xfrm>
-              <a:off x="3155810" y="9160238"/>
-              <a:ext cx="674557" cy="587116"/>
-            </a:xfrm>
-            <a:prstGeom prst="upArrow">
-              <a:avLst>
-                <a:gd name="adj1" fmla="val 50000"/>
-                <a:gd name="adj2" fmla="val 67872"/>
-              </a:avLst>
-            </a:prstGeom>
-            <a:solidFill>
-              <a:schemeClr val="bg1"/>
-            </a:solidFill>
-            <a:ln>
-              <a:noFill/>
-            </a:ln>
-          </p:spPr>
-          <p:style>
-            <a:lnRef idx="2">
-              <a:schemeClr val="accent1">
-                <a:shade val="50000"/>
-              </a:schemeClr>
-            </a:lnRef>
-            <a:fillRef idx="1">
-              <a:schemeClr val="accent1"/>
-            </a:fillRef>
-            <a:effectRef idx="0">
-              <a:schemeClr val="accent1"/>
-            </a:effectRef>
-            <a:fontRef idx="minor">
-              <a:schemeClr val="lt1"/>
-            </a:fontRef>
-          </p:style>
-          <p:txBody>
-            <a:bodyPr rtlCol="0" anchor="ctr"/>
-            <a:lstStyle/>
-            <a:p>
-              <a:pPr algn="ctr"/>
-              <a:endParaRPr lang="ko-KR" altLang="en-US"/>
-            </a:p>
-          </p:txBody>
-        </p:sp>
-        <p:grpSp>
-          <p:nvGrpSpPr>
-            <p:cNvPr id="12" name="그룹 11"/>
-            <p:cNvGrpSpPr/>
-            <p:nvPr/>
-          </p:nvGrpSpPr>
-          <p:grpSpPr>
-            <a:xfrm>
-              <a:off x="5973207" y="9148996"/>
-              <a:ext cx="524655" cy="652073"/>
-              <a:chOff x="1371611" y="2598295"/>
-              <a:chExt cx="524655" cy="652073"/>
-            </a:xfrm>
-            <a:solidFill>
-              <a:schemeClr val="bg1"/>
-            </a:solidFill>
-          </p:grpSpPr>
-          <p:sp>
-            <p:nvSpPr>
-              <p:cNvPr id="20" name="이등변 삼각형 19"/>
-              <p:cNvSpPr/>
-              <p:nvPr/>
-            </p:nvSpPr>
-            <p:spPr>
-              <a:xfrm>
-                <a:off x="1371611" y="2755693"/>
-                <a:ext cx="524655" cy="494675"/>
-              </a:xfrm>
-              <a:prstGeom prst="triangle">
-                <a:avLst/>
-              </a:prstGeom>
-              <a:grpFill/>
-              <a:ln>
-                <a:noFill/>
-              </a:ln>
-            </p:spPr>
-            <p:style>
-              <a:lnRef idx="2">
-                <a:schemeClr val="accent1">
-                  <a:shade val="50000"/>
-                </a:schemeClr>
-              </a:lnRef>
-              <a:fillRef idx="1">
-                <a:schemeClr val="accent1"/>
-              </a:fillRef>
-              <a:effectRef idx="0">
-                <a:schemeClr val="accent1"/>
-              </a:effectRef>
-              <a:fontRef idx="minor">
-                <a:schemeClr val="lt1"/>
-              </a:fontRef>
-            </p:style>
-            <p:txBody>
-              <a:bodyPr rtlCol="0" anchor="ctr"/>
-              <a:lstStyle/>
-              <a:p>
-                <a:pPr algn="ctr"/>
-                <a:endParaRPr lang="ko-KR" altLang="en-US"/>
-              </a:p>
-            </p:txBody>
-          </p:sp>
-          <p:sp>
-            <p:nvSpPr>
-              <p:cNvPr id="21" name="타원 20"/>
-              <p:cNvSpPr/>
-              <p:nvPr/>
-            </p:nvSpPr>
-            <p:spPr>
-              <a:xfrm>
-                <a:off x="1431570" y="2598295"/>
-                <a:ext cx="404735" cy="404735"/>
-              </a:xfrm>
-              <a:prstGeom prst="ellipse">
-                <a:avLst/>
-              </a:prstGeom>
-              <a:grpFill/>
-              <a:ln>
-                <a:noFill/>
-              </a:ln>
-            </p:spPr>
-            <p:style>
-              <a:lnRef idx="2">
-                <a:schemeClr val="accent1">
-                  <a:shade val="50000"/>
-                </a:schemeClr>
-              </a:lnRef>
-              <a:fillRef idx="1">
-                <a:schemeClr val="accent1"/>
-              </a:fillRef>
-              <a:effectRef idx="0">
-                <a:schemeClr val="accent1"/>
-              </a:effectRef>
-              <a:fontRef idx="minor">
-                <a:schemeClr val="lt1"/>
-              </a:fontRef>
-            </p:style>
-            <p:txBody>
-              <a:bodyPr rtlCol="0" anchor="ctr"/>
-              <a:lstStyle/>
-              <a:p>
-                <a:pPr algn="ctr"/>
-                <a:endParaRPr lang="ko-KR" altLang="en-US"/>
-              </a:p>
-            </p:txBody>
-          </p:sp>
-        </p:grpSp>
-        <p:sp>
-          <p:nvSpPr>
-            <p:cNvPr id="13" name="하트 12"/>
-            <p:cNvSpPr/>
-            <p:nvPr/>
-          </p:nvSpPr>
-          <p:spPr>
-            <a:xfrm>
-              <a:off x="4542964" y="9191469"/>
-              <a:ext cx="659567" cy="599606"/>
-            </a:xfrm>
-            <a:prstGeom prst="heart">
-              <a:avLst/>
-            </a:prstGeom>
-            <a:solidFill>
-              <a:schemeClr val="bg1"/>
-            </a:solidFill>
-            <a:ln>
-              <a:noFill/>
-            </a:ln>
-          </p:spPr>
-          <p:style>
-            <a:lnRef idx="2">
-              <a:schemeClr val="accent1">
-                <a:shade val="50000"/>
-              </a:schemeClr>
-            </a:lnRef>
-            <a:fillRef idx="1">
-              <a:schemeClr val="accent1"/>
-            </a:fillRef>
-            <a:effectRef idx="0">
-              <a:schemeClr val="accent1"/>
-            </a:effectRef>
-            <a:fontRef idx="minor">
-              <a:schemeClr val="lt1"/>
-            </a:fontRef>
-          </p:style>
-          <p:txBody>
-            <a:bodyPr rtlCol="0" anchor="ctr"/>
-            <a:lstStyle/>
-            <a:p>
-              <a:pPr algn="ctr"/>
-              <a:endParaRPr lang="ko-KR" altLang="en-US"/>
-            </a:p>
-          </p:txBody>
-        </p:sp>
-        <p:sp>
-          <p:nvSpPr>
-            <p:cNvPr id="14" name="번개 13"/>
-            <p:cNvSpPr/>
-            <p:nvPr/>
-          </p:nvSpPr>
-          <p:spPr>
-            <a:xfrm>
-              <a:off x="1863303" y="9105275"/>
-              <a:ext cx="719640" cy="725774"/>
-            </a:xfrm>
-            <a:prstGeom prst="lightningBolt">
-              <a:avLst/>
-            </a:prstGeom>
-            <a:solidFill>
-              <a:schemeClr val="bg1"/>
-            </a:solidFill>
-            <a:ln>
-              <a:noFill/>
-            </a:ln>
-          </p:spPr>
-          <p:style>
-            <a:lnRef idx="2">
-              <a:schemeClr val="accent1">
-                <a:shade val="50000"/>
-              </a:schemeClr>
-            </a:lnRef>
-            <a:fillRef idx="1">
-              <a:schemeClr val="accent1"/>
-            </a:fillRef>
-            <a:effectRef idx="0">
-              <a:schemeClr val="accent1"/>
-            </a:effectRef>
-            <a:fontRef idx="minor">
-              <a:schemeClr val="lt1"/>
-            </a:fontRef>
-          </p:style>
-          <p:txBody>
-            <a:bodyPr rtlCol="0" anchor="ctr"/>
-            <a:lstStyle/>
-            <a:p>
-              <a:pPr algn="ctr"/>
-              <a:endParaRPr lang="ko-KR" altLang="en-US"/>
-            </a:p>
-          </p:txBody>
-        </p:sp>
-        <p:grpSp>
-          <p:nvGrpSpPr>
-            <p:cNvPr id="15" name="그룹 14"/>
-            <p:cNvGrpSpPr/>
-            <p:nvPr/>
-          </p:nvGrpSpPr>
-          <p:grpSpPr>
-            <a:xfrm>
-              <a:off x="404646" y="9140376"/>
-              <a:ext cx="750267" cy="559631"/>
-              <a:chOff x="1079292" y="6775554"/>
-              <a:chExt cx="750267" cy="559631"/>
-            </a:xfrm>
-          </p:grpSpPr>
-          <p:sp>
-            <p:nvSpPr>
-              <p:cNvPr id="16" name="모서리가 둥근 사각형 설명선 15"/>
-              <p:cNvSpPr/>
-              <p:nvPr/>
-            </p:nvSpPr>
-            <p:spPr>
-              <a:xfrm>
-                <a:off x="1079292" y="6775554"/>
-                <a:ext cx="750267" cy="559631"/>
-              </a:xfrm>
-              <a:prstGeom prst="wedgeRoundRectCallout">
-                <a:avLst>
-                  <a:gd name="adj1" fmla="val -8588"/>
-                  <a:gd name="adj2" fmla="val 73287"/>
-                  <a:gd name="adj3" fmla="val 16667"/>
-                </a:avLst>
-              </a:prstGeom>
+          <a:prstGeom prst="rect">
+            <a:avLst/>
+          </a:prstGeom>
+        </p:spPr>
+      </p:pic>
+      <p:sp>
+        <p:nvSpPr>
+          <p:cNvPr id="40" name="순서도: 수행의 시작/종료 39"/>
+          <p:cNvSpPr/>
+          <p:nvPr/>
+        </p:nvSpPr>
+        <p:spPr>
+          <a:xfrm>
+            <a:off x="5791824" y="681808"/>
+            <a:ext cx="914400" cy="365384"/>
+          </a:xfrm>
+          <a:prstGeom prst="flowChartTerminator">
+            <a:avLst/>
+          </a:prstGeom>
+          <a:solidFill>
+            <a:srgbClr val="07A949"/>
+          </a:solidFill>
+          <a:ln>
+            <a:noFill/>
+          </a:ln>
+        </p:spPr>
+        <p:style>
+          <a:lnRef idx="2">
+            <a:schemeClr val="accent1">
+              <a:shade val="50000"/>
+            </a:schemeClr>
+          </a:lnRef>
+          <a:fillRef idx="1">
+            <a:schemeClr val="accent1"/>
+          </a:fillRef>
+          <a:effectRef idx="0">
+            <a:schemeClr val="accent1"/>
+          </a:effectRef>
+          <a:fontRef idx="minor">
+            <a:schemeClr val="lt1"/>
+          </a:fontRef>
+        </p:style>
+        <p:txBody>
+          <a:bodyPr rtlCol="0" anchor="ctr"/>
+          <a:lstStyle/>
+          <a:p>
+            <a:pPr algn="ctr"/>
+            <a:endParaRPr lang="ko-KR" altLang="en-US"/>
+          </a:p>
+        </p:txBody>
+      </p:sp>
+      <p:sp>
+        <p:nvSpPr>
+          <p:cNvPr id="41" name="타원 40"/>
+          <p:cNvSpPr/>
+          <p:nvPr/>
+        </p:nvSpPr>
+        <p:spPr>
+          <a:xfrm>
+            <a:off x="6340839" y="711788"/>
+            <a:ext cx="320414" cy="320414"/>
+          </a:xfrm>
+          <a:prstGeom prst="ellipse">
+            <a:avLst/>
+          </a:prstGeom>
+          <a:solidFill>
+            <a:schemeClr val="bg1">
+              <a:lumMod val="95000"/>
+            </a:schemeClr>
+          </a:solidFill>
+          <a:ln>
+            <a:noFill/>
+          </a:ln>
+        </p:spPr>
+        <p:style>
+          <a:lnRef idx="2">
+            <a:schemeClr val="accent1">
+              <a:shade val="50000"/>
+            </a:schemeClr>
+          </a:lnRef>
+          <a:fillRef idx="1">
+            <a:schemeClr val="accent1"/>
+          </a:fillRef>
+          <a:effectRef idx="0">
+            <a:schemeClr val="accent1"/>
+          </a:effectRef>
+          <a:fontRef idx="minor">
+            <a:schemeClr val="lt1"/>
+          </a:fontRef>
+        </p:style>
+        <p:txBody>
+          <a:bodyPr rtlCol="0" anchor="ctr"/>
+          <a:lstStyle/>
+          <a:p>
+            <a:pPr algn="ctr"/>
+            <a:endParaRPr lang="ko-KR" altLang="en-US"/>
+          </a:p>
+        </p:txBody>
+      </p:sp>
+      <p:sp>
+        <p:nvSpPr>
+          <p:cNvPr id="42" name="TextBox 41"/>
+          <p:cNvSpPr txBox="1"/>
+          <p:nvPr/>
+        </p:nvSpPr>
+        <p:spPr>
+          <a:xfrm>
+            <a:off x="5821804" y="681808"/>
+            <a:ext cx="549015" cy="369332"/>
+          </a:xfrm>
+          <a:prstGeom prst="rect">
+            <a:avLst/>
+          </a:prstGeom>
+          <a:noFill/>
+        </p:spPr>
+        <p:txBody>
+          <a:bodyPr wrap="square" rtlCol="0">
+            <a:spAutoFit/>
+          </a:bodyPr>
+          <a:lstStyle/>
+          <a:p>
+            <a:r>
+              <a:rPr lang="en-US" altLang="ko-KR" dirty="0" smtClean="0">
+                <a:solidFill>
+                  <a:schemeClr val="bg1"/>
+                </a:solidFill>
+                <a:latin typeface="나눔스퀘어라운드 Bold" panose="020B0600000101010101" pitchFamily="50" charset="-127"/>
+                <a:ea typeface="나눔스퀘어라운드 Bold" panose="020B0600000101010101" pitchFamily="50" charset="-127"/>
+              </a:rPr>
+              <a:t>ON</a:t>
+            </a:r>
+            <a:endParaRPr lang="ko-KR" altLang="en-US" dirty="0">
               <a:solidFill>
                 <a:schemeClr val="bg1"/>
               </a:solidFill>
-              <a:ln>
-                <a:noFill/>
-              </a:ln>
-            </p:spPr>
-            <p:style>
-              <a:lnRef idx="2">
-                <a:schemeClr val="accent1">
-                  <a:shade val="50000"/>
-                </a:schemeClr>
-              </a:lnRef>
-              <a:fillRef idx="1">
-                <a:schemeClr val="accent1"/>
-              </a:fillRef>
-              <a:effectRef idx="0">
-                <a:schemeClr val="accent1"/>
-              </a:effectRef>
-              <a:fontRef idx="minor">
-                <a:schemeClr val="lt1"/>
-              </a:fontRef>
-            </p:style>
-            <p:txBody>
-              <a:bodyPr rtlCol="0" anchor="ctr"/>
-              <a:lstStyle/>
-              <a:p>
-                <a:pPr algn="ctr"/>
-                <a:endParaRPr lang="ko-KR" altLang="en-US"/>
-              </a:p>
-            </p:txBody>
-          </p:sp>
-          <p:sp>
-            <p:nvSpPr>
-              <p:cNvPr id="17" name="직사각형 16"/>
-              <p:cNvSpPr/>
-              <p:nvPr/>
-            </p:nvSpPr>
-            <p:spPr>
-              <a:xfrm>
-                <a:off x="1210835" y="6895475"/>
-                <a:ext cx="532911" cy="45719"/>
-              </a:xfrm>
-              <a:prstGeom prst="rect">
-                <a:avLst/>
-              </a:prstGeom>
-              <a:solidFill>
-                <a:schemeClr val="bg1">
-                  <a:lumMod val="50000"/>
-                </a:schemeClr>
-              </a:solidFill>
-              <a:ln>
-                <a:noFill/>
-              </a:ln>
-            </p:spPr>
-            <p:style>
-              <a:lnRef idx="2">
-                <a:schemeClr val="accent1">
-                  <a:shade val="50000"/>
-                </a:schemeClr>
-              </a:lnRef>
-              <a:fillRef idx="1">
-                <a:schemeClr val="accent1"/>
-              </a:fillRef>
-              <a:effectRef idx="0">
-                <a:schemeClr val="accent1"/>
-              </a:effectRef>
-              <a:fontRef idx="minor">
-                <a:schemeClr val="lt1"/>
-              </a:fontRef>
-            </p:style>
-            <p:txBody>
-              <a:bodyPr rtlCol="0" anchor="ctr"/>
-              <a:lstStyle/>
-              <a:p>
-                <a:pPr algn="ctr"/>
-                <a:endParaRPr lang="ko-KR" altLang="en-US"/>
-              </a:p>
-            </p:txBody>
-          </p:sp>
-          <p:sp>
-            <p:nvSpPr>
-              <p:cNvPr id="18" name="직사각형 17"/>
-              <p:cNvSpPr/>
-              <p:nvPr/>
-            </p:nvSpPr>
-            <p:spPr>
-              <a:xfrm>
-                <a:off x="1214961" y="7009650"/>
-                <a:ext cx="532911" cy="45719"/>
-              </a:xfrm>
-              <a:prstGeom prst="rect">
-                <a:avLst/>
-              </a:prstGeom>
-              <a:solidFill>
-                <a:schemeClr val="bg1">
-                  <a:lumMod val="50000"/>
-                </a:schemeClr>
-              </a:solidFill>
-              <a:ln>
-                <a:noFill/>
-              </a:ln>
-            </p:spPr>
-            <p:style>
-              <a:lnRef idx="2">
-                <a:schemeClr val="accent1">
-                  <a:shade val="50000"/>
-                </a:schemeClr>
-              </a:lnRef>
-              <a:fillRef idx="1">
-                <a:schemeClr val="accent1"/>
-              </a:fillRef>
-              <a:effectRef idx="0">
-                <a:schemeClr val="accent1"/>
-              </a:effectRef>
-              <a:fontRef idx="minor">
-                <a:schemeClr val="lt1"/>
-              </a:fontRef>
-            </p:style>
-            <p:txBody>
-              <a:bodyPr rtlCol="0" anchor="ctr"/>
-              <a:lstStyle/>
-              <a:p>
-                <a:pPr algn="ctr"/>
-                <a:endParaRPr lang="ko-KR" altLang="en-US"/>
-              </a:p>
-            </p:txBody>
-          </p:sp>
-          <p:sp>
-            <p:nvSpPr>
-              <p:cNvPr id="19" name="직사각형 18"/>
-              <p:cNvSpPr/>
-              <p:nvPr/>
-            </p:nvSpPr>
-            <p:spPr>
-              <a:xfrm>
-                <a:off x="1210835" y="7126698"/>
-                <a:ext cx="532911" cy="45719"/>
-              </a:xfrm>
-              <a:prstGeom prst="rect">
-                <a:avLst/>
-              </a:prstGeom>
-              <a:solidFill>
-                <a:schemeClr val="bg1">
-                  <a:lumMod val="50000"/>
-                </a:schemeClr>
-              </a:solidFill>
-              <a:ln>
-                <a:noFill/>
-              </a:ln>
-            </p:spPr>
-            <p:style>
-              <a:lnRef idx="2">
-                <a:schemeClr val="accent1">
-                  <a:shade val="50000"/>
-                </a:schemeClr>
-              </a:lnRef>
-              <a:fillRef idx="1">
-                <a:schemeClr val="accent1"/>
-              </a:fillRef>
-              <a:effectRef idx="0">
-                <a:schemeClr val="accent1"/>
-              </a:effectRef>
-              <a:fontRef idx="minor">
-                <a:schemeClr val="lt1"/>
-              </a:fontRef>
-            </p:style>
-            <p:txBody>
-              <a:bodyPr rtlCol="0" anchor="ctr"/>
-              <a:lstStyle/>
-              <a:p>
-                <a:pPr algn="ctr"/>
-                <a:endParaRPr lang="ko-KR" altLang="en-US"/>
-              </a:p>
-            </p:txBody>
-          </p:sp>
-        </p:grpSp>
-      </p:grpSp>
+              <a:latin typeface="나눔스퀘어라운드 Bold" panose="020B0600000101010101" pitchFamily="50" charset="-127"/>
+              <a:ea typeface="나눔스퀘어라운드 Bold" panose="020B0600000101010101" pitchFamily="50" charset="-127"/>
+            </a:endParaRPr>
+          </a:p>
+        </p:txBody>
+      </p:sp>
+      <p:sp>
+        <p:nvSpPr>
+          <p:cNvPr id="43" name="모서리가 둥근 직사각형 42"/>
+          <p:cNvSpPr/>
+          <p:nvPr/>
+        </p:nvSpPr>
+        <p:spPr>
+          <a:xfrm>
+            <a:off x="104931" y="462576"/>
+            <a:ext cx="1963711" cy="680897"/>
+          </a:xfrm>
+          <a:prstGeom prst="roundRect">
+            <a:avLst/>
+          </a:prstGeom>
+          <a:solidFill>
+            <a:schemeClr val="bg1"/>
+          </a:solidFill>
+          <a:ln w="28575">
+            <a:noFill/>
+          </a:ln>
+        </p:spPr>
+        <p:style>
+          <a:lnRef idx="2">
+            <a:schemeClr val="accent1">
+              <a:shade val="50000"/>
+            </a:schemeClr>
+          </a:lnRef>
+          <a:fillRef idx="1">
+            <a:schemeClr val="accent1"/>
+          </a:fillRef>
+          <a:effectRef idx="0">
+            <a:schemeClr val="accent1"/>
+          </a:effectRef>
+          <a:fontRef idx="minor">
+            <a:schemeClr val="lt1"/>
+          </a:fontRef>
+        </p:style>
+        <p:txBody>
+          <a:bodyPr rtlCol="0" anchor="ctr"/>
+          <a:lstStyle/>
+          <a:p>
+            <a:pPr algn="ctr"/>
+            <a:endParaRPr lang="ko-KR" altLang="en-US"/>
+          </a:p>
+        </p:txBody>
+      </p:sp>
+      <p:sp>
+        <p:nvSpPr>
+          <p:cNvPr id="44" name="TextBox 43"/>
+          <p:cNvSpPr txBox="1"/>
+          <p:nvPr/>
+        </p:nvSpPr>
+        <p:spPr>
+          <a:xfrm>
+            <a:off x="239842" y="572191"/>
+            <a:ext cx="1828800" cy="461665"/>
+          </a:xfrm>
+          <a:prstGeom prst="rect">
+            <a:avLst/>
+          </a:prstGeom>
+          <a:noFill/>
+        </p:spPr>
+        <p:txBody>
+          <a:bodyPr wrap="square" rtlCol="0">
+            <a:spAutoFit/>
+          </a:bodyPr>
+          <a:lstStyle/>
+          <a:p>
+            <a:r>
+              <a:rPr lang="ko-KR" altLang="en-US" sz="2400" dirty="0" smtClean="0">
+                <a:latin typeface="나눔스퀘어라운드 Bold" panose="020B0600000101010101" pitchFamily="50" charset="-127"/>
+                <a:ea typeface="나눔스퀘어라운드 Bold" panose="020B0600000101010101" pitchFamily="50" charset="-127"/>
+              </a:rPr>
+              <a:t>내 퍼즐 보기</a:t>
+            </a:r>
+            <a:endParaRPr lang="ko-KR" altLang="en-US" sz="2400" dirty="0">
+              <a:latin typeface="나눔스퀘어라운드 Bold" panose="020B0600000101010101" pitchFamily="50" charset="-127"/>
+              <a:ea typeface="나눔스퀘어라운드 Bold" panose="020B0600000101010101" pitchFamily="50" charset="-127"/>
+            </a:endParaRPr>
+          </a:p>
+        </p:txBody>
+      </p:sp>
     </p:spTree>
     <p:extLst>
       <p:ext uri="{BB962C8B-B14F-4D97-AF65-F5344CB8AC3E}">
